--- a/capstone/milestone4_ppt_group4.pptx
+++ b/capstone/milestone4_ppt_group4.pptx
@@ -135,12 +135,20 @@
 </p:presentation>
 </file>
 
+<file path=ppt/revisionInfo.xml><?xml version="1.0" encoding="utf-8"?>
+<p1510:revInfo xmlns:a="http://schemas.openxmlformats.org/drawingml/2006/main" xmlns:r="http://schemas.openxmlformats.org/officeDocument/2006/relationships" xmlns:p1510="http://schemas.microsoft.com/office/powerpoint/2015/10/main">
+  <p1510:revLst>
+    <p1510:client id="{94C31D7A-CE39-4FA9-AB60-C7F6AC837B69}" v="5" dt="2022-12-15T02:53:20.605"/>
+  </p1510:revLst>
+</p1510:revInfo>
+</file>
+
 <file path=ppt/changesInfos/changesInfo1.xml><?xml version="1.0" encoding="utf-8"?>
 <pc:chgInfo xmlns:a="http://schemas.openxmlformats.org/drawingml/2006/main" xmlns:r="http://schemas.openxmlformats.org/officeDocument/2006/relationships" xmlns:ac="http://schemas.microsoft.com/office/drawing/2013/main/command" xmlns:pc="http://schemas.microsoft.com/office/powerpoint/2013/main/command">
   <pc:docChgLst>
     <pc:chgData name="brittany kyncl" userId="0c0e5126d17412fb" providerId="LiveId" clId="{94C31D7A-CE39-4FA9-AB60-C7F6AC837B69}"/>
     <pc:docChg chg="undo custSel modSld sldOrd">
-      <pc:chgData name="brittany kyncl" userId="0c0e5126d17412fb" providerId="LiveId" clId="{94C31D7A-CE39-4FA9-AB60-C7F6AC837B69}" dt="2022-12-12T01:56:09.166" v="330" actId="27636"/>
+      <pc:chgData name="brittany kyncl" userId="0c0e5126d17412fb" providerId="LiveId" clId="{94C31D7A-CE39-4FA9-AB60-C7F6AC837B69}" dt="2022-12-15T02:55:33.410" v="486" actId="1076"/>
       <pc:docMkLst>
         <pc:docMk/>
       </pc:docMkLst>
@@ -174,8 +182,8 @@
           </ac:spMkLst>
         </pc:spChg>
       </pc:sldChg>
-      <pc:sldChg chg="modSp mod">
-        <pc:chgData name="brittany kyncl" userId="0c0e5126d17412fb" providerId="LiveId" clId="{94C31D7A-CE39-4FA9-AB60-C7F6AC837B69}" dt="2022-12-12T01:31:13.179" v="80" actId="1076"/>
+      <pc:sldChg chg="addSp delSp modSp mod">
+        <pc:chgData name="brittany kyncl" userId="0c0e5126d17412fb" providerId="LiveId" clId="{94C31D7A-CE39-4FA9-AB60-C7F6AC837B69}" dt="2022-12-15T02:45:03.581" v="377" actId="1076"/>
         <pc:sldMkLst>
           <pc:docMk/>
           <pc:sldMk cId="1663780162" sldId="260"/>
@@ -188,8 +196,40 @@
             <ac:spMk id="2" creationId="{09140014-73D5-419B-8867-972BB18D52D4}"/>
           </ac:spMkLst>
         </pc:spChg>
-        <pc:picChg chg="mod">
-          <ac:chgData name="brittany kyncl" userId="0c0e5126d17412fb" providerId="LiveId" clId="{94C31D7A-CE39-4FA9-AB60-C7F6AC837B69}" dt="2022-12-12T01:20:57.973" v="8" actId="1076"/>
+        <pc:spChg chg="add del mod">
+          <ac:chgData name="brittany kyncl" userId="0c0e5126d17412fb" providerId="LiveId" clId="{94C31D7A-CE39-4FA9-AB60-C7F6AC837B69}" dt="2022-12-13T06:58:48.011" v="335" actId="478"/>
+          <ac:spMkLst>
+            <pc:docMk/>
+            <pc:sldMk cId="1663780162" sldId="260"/>
+            <ac:spMk id="4" creationId="{E9513EF4-F67A-A20E-D90B-3AA8366E090E}"/>
+          </ac:spMkLst>
+        </pc:spChg>
+        <pc:picChg chg="add mod">
+          <ac:chgData name="brittany kyncl" userId="0c0e5126d17412fb" providerId="LiveId" clId="{94C31D7A-CE39-4FA9-AB60-C7F6AC837B69}" dt="2022-12-15T02:45:03.581" v="377" actId="1076"/>
+          <ac:picMkLst>
+            <pc:docMk/>
+            <pc:sldMk cId="1663780162" sldId="260"/>
+            <ac:picMk id="4" creationId="{51135D46-EE8E-8A1B-116B-EFE4A246BEBE}"/>
+          </ac:picMkLst>
+        </pc:picChg>
+        <pc:picChg chg="add del mod">
+          <ac:chgData name="brittany kyncl" userId="0c0e5126d17412fb" providerId="LiveId" clId="{94C31D7A-CE39-4FA9-AB60-C7F6AC837B69}" dt="2022-12-13T06:58:56.488" v="336" actId="478"/>
+          <ac:picMkLst>
+            <pc:docMk/>
+            <pc:sldMk cId="1663780162" sldId="260"/>
+            <ac:picMk id="6" creationId="{463ED84F-DFF1-6224-023B-A1BCC57FD662}"/>
+          </ac:picMkLst>
+        </pc:picChg>
+        <pc:picChg chg="add del mod">
+          <ac:chgData name="brittany kyncl" userId="0c0e5126d17412fb" providerId="LiveId" clId="{94C31D7A-CE39-4FA9-AB60-C7F6AC837B69}" dt="2022-12-15T02:44:55.937" v="373" actId="478"/>
+          <ac:picMkLst>
+            <pc:docMk/>
+            <pc:sldMk cId="1663780162" sldId="260"/>
+            <ac:picMk id="10" creationId="{C1F2805F-12FE-B679-FE1C-64AF613A19CC}"/>
+          </ac:picMkLst>
+        </pc:picChg>
+        <pc:picChg chg="del mod">
+          <ac:chgData name="brittany kyncl" userId="0c0e5126d17412fb" providerId="LiveId" clId="{94C31D7A-CE39-4FA9-AB60-C7F6AC837B69}" dt="2022-12-13T06:58:30.778" v="331" actId="478"/>
           <ac:picMkLst>
             <pc:docMk/>
             <pc:sldMk cId="1663780162" sldId="260"/>
@@ -212,6 +252,53 @@
           </ac:spMkLst>
         </pc:spChg>
       </pc:sldChg>
+      <pc:sldChg chg="addSp delSp modSp mod">
+        <pc:chgData name="brittany kyncl" userId="0c0e5126d17412fb" providerId="LiveId" clId="{94C31D7A-CE39-4FA9-AB60-C7F6AC837B69}" dt="2022-12-15T02:43:55.721" v="372" actId="14100"/>
+        <pc:sldMkLst>
+          <pc:docMk/>
+          <pc:sldMk cId="2896385493" sldId="270"/>
+        </pc:sldMkLst>
+        <pc:spChg chg="mod">
+          <ac:chgData name="brittany kyncl" userId="0c0e5126d17412fb" providerId="LiveId" clId="{94C31D7A-CE39-4FA9-AB60-C7F6AC837B69}" dt="2022-12-15T02:43:43.639" v="368" actId="1076"/>
+          <ac:spMkLst>
+            <pc:docMk/>
+            <pc:sldMk cId="2896385493" sldId="270"/>
+            <ac:spMk id="3" creationId="{77762301-F83A-4BEA-9D11-E6C99FB574A8}"/>
+          </ac:spMkLst>
+        </pc:spChg>
+        <pc:spChg chg="add del mod">
+          <ac:chgData name="brittany kyncl" userId="0c0e5126d17412fb" providerId="LiveId" clId="{94C31D7A-CE39-4FA9-AB60-C7F6AC837B69}" dt="2022-12-15T02:43:35.571" v="366" actId="478"/>
+          <ac:spMkLst>
+            <pc:docMk/>
+            <pc:sldMk cId="2896385493" sldId="270"/>
+            <ac:spMk id="9" creationId="{0377FD92-8BB1-6483-3DD3-CB9A52CBC8C3}"/>
+          </ac:spMkLst>
+        </pc:spChg>
+        <pc:graphicFrameChg chg="del">
+          <ac:chgData name="brittany kyncl" userId="0c0e5126d17412fb" providerId="LiveId" clId="{94C31D7A-CE39-4FA9-AB60-C7F6AC837B69}" dt="2022-12-15T02:43:33.048" v="365" actId="478"/>
+          <ac:graphicFrameMkLst>
+            <pc:docMk/>
+            <pc:sldMk cId="2896385493" sldId="270"/>
+            <ac:graphicFrameMk id="33" creationId="{7BC1F95D-CCD2-421B-B06B-706699FAAD5D}"/>
+          </ac:graphicFrameMkLst>
+        </pc:graphicFrameChg>
+        <pc:picChg chg="del">
+          <ac:chgData name="brittany kyncl" userId="0c0e5126d17412fb" providerId="LiveId" clId="{94C31D7A-CE39-4FA9-AB60-C7F6AC837B69}" dt="2022-12-15T02:42:57.411" v="357" actId="478"/>
+          <ac:picMkLst>
+            <pc:docMk/>
+            <pc:sldMk cId="2896385493" sldId="270"/>
+            <ac:picMk id="4" creationId="{88311D09-04E8-CF2E-943B-66B4FD5B2D21}"/>
+          </ac:picMkLst>
+        </pc:picChg>
+        <pc:picChg chg="add mod ord">
+          <ac:chgData name="brittany kyncl" userId="0c0e5126d17412fb" providerId="LiveId" clId="{94C31D7A-CE39-4FA9-AB60-C7F6AC837B69}" dt="2022-12-15T02:43:55.721" v="372" actId="14100"/>
+          <ac:picMkLst>
+            <pc:docMk/>
+            <pc:sldMk cId="2896385493" sldId="270"/>
+            <ac:picMk id="5" creationId="{61650602-4714-C4CC-DF5B-9CEAA30103D9}"/>
+          </ac:picMkLst>
+        </pc:picChg>
+      </pc:sldChg>
       <pc:sldChg chg="modSp mod">
         <pc:chgData name="brittany kyncl" userId="0c0e5126d17412fb" providerId="LiveId" clId="{94C31D7A-CE39-4FA9-AB60-C7F6AC837B69}" dt="2022-12-12T01:54:45.626" v="322" actId="20577"/>
         <pc:sldMkLst>
@@ -228,7 +315,7 @@
         </pc:spChg>
       </pc:sldChg>
       <pc:sldChg chg="addSp delSp modSp mod">
-        <pc:chgData name="brittany kyncl" userId="0c0e5126d17412fb" providerId="LiveId" clId="{94C31D7A-CE39-4FA9-AB60-C7F6AC837B69}" dt="2022-12-12T01:34:13.185" v="126" actId="1076"/>
+        <pc:chgData name="brittany kyncl" userId="0c0e5126d17412fb" providerId="LiveId" clId="{94C31D7A-CE39-4FA9-AB60-C7F6AC837B69}" dt="2022-12-15T02:55:13.246" v="485" actId="1076"/>
         <pc:sldMkLst>
           <pc:docMk/>
           <pc:sldMk cId="114609836" sldId="272"/>
@@ -249,12 +336,36 @@
             <ac:spMk id="5" creationId="{E8317BEC-FDF4-A9C2-FD9E-D9F75B62DB82}"/>
           </ac:spMkLst>
         </pc:spChg>
-        <pc:picChg chg="mod">
-          <ac:chgData name="brittany kyncl" userId="0c0e5126d17412fb" providerId="LiveId" clId="{94C31D7A-CE39-4FA9-AB60-C7F6AC837B69}" dt="2022-12-12T01:34:13.185" v="126" actId="1076"/>
+        <pc:picChg chg="add mod">
+          <ac:chgData name="brittany kyncl" userId="0c0e5126d17412fb" providerId="LiveId" clId="{94C31D7A-CE39-4FA9-AB60-C7F6AC837B69}" dt="2022-12-15T02:55:13.246" v="485" actId="1076"/>
+          <ac:picMkLst>
+            <pc:docMk/>
+            <pc:sldMk cId="114609836" sldId="272"/>
+            <ac:picMk id="4" creationId="{C4ADA006-6BC5-5681-9050-EEAAD47E8A14}"/>
+          </ac:picMkLst>
+        </pc:picChg>
+        <pc:picChg chg="del mod">
+          <ac:chgData name="brittany kyncl" userId="0c0e5126d17412fb" providerId="LiveId" clId="{94C31D7A-CE39-4FA9-AB60-C7F6AC837B69}" dt="2022-12-13T07:00:26.472" v="347" actId="478"/>
           <ac:picMkLst>
             <pc:docMk/>
             <pc:sldMk cId="114609836" sldId="272"/>
             <ac:picMk id="4" creationId="{CAE1011D-0ADC-37F2-A67C-829C74E69E8F}"/>
+          </ac:picMkLst>
+        </pc:picChg>
+        <pc:picChg chg="add del mod">
+          <ac:chgData name="brittany kyncl" userId="0c0e5126d17412fb" providerId="LiveId" clId="{94C31D7A-CE39-4FA9-AB60-C7F6AC837B69}" dt="2022-12-15T02:45:12.436" v="379" actId="478"/>
+          <ac:picMkLst>
+            <pc:docMk/>
+            <pc:sldMk cId="114609836" sldId="272"/>
+            <ac:picMk id="5" creationId="{78BF78E5-1228-FCB0-B36F-5DDC86E2E45B}"/>
+          </ac:picMkLst>
+        </pc:picChg>
+        <pc:picChg chg="add del mod">
+          <ac:chgData name="brittany kyncl" userId="0c0e5126d17412fb" providerId="LiveId" clId="{94C31D7A-CE39-4FA9-AB60-C7F6AC837B69}" dt="2022-12-15T02:45:11.608" v="378" actId="478"/>
+          <ac:picMkLst>
+            <pc:docMk/>
+            <pc:sldMk cId="114609836" sldId="272"/>
+            <ac:picMk id="7" creationId="{C1052482-BE6D-FA91-3911-D6BB38FC3C8D}"/>
           </ac:picMkLst>
         </pc:picChg>
         <pc:picChg chg="del">
@@ -266,31 +377,39 @@
           </ac:picMkLst>
         </pc:picChg>
       </pc:sldChg>
-      <pc:sldChg chg="modSp mod">
-        <pc:chgData name="brittany kyncl" userId="0c0e5126d17412fb" providerId="LiveId" clId="{94C31D7A-CE39-4FA9-AB60-C7F6AC837B69}" dt="2022-12-12T01:33:57.514" v="125" actId="14100"/>
+      <pc:sldChg chg="addSp delSp modSp mod">
+        <pc:chgData name="brittany kyncl" userId="0c0e5126d17412fb" providerId="LiveId" clId="{94C31D7A-CE39-4FA9-AB60-C7F6AC837B69}" dt="2022-12-15T02:50:39.633" v="472" actId="14100"/>
         <pc:sldMkLst>
           <pc:docMk/>
           <pc:sldMk cId="3509472866" sldId="273"/>
         </pc:sldMkLst>
         <pc:spChg chg="mod">
-          <ac:chgData name="brittany kyncl" userId="0c0e5126d17412fb" providerId="LiveId" clId="{94C31D7A-CE39-4FA9-AB60-C7F6AC837B69}" dt="2022-12-12T01:33:57.514" v="125" actId="14100"/>
+          <ac:chgData name="brittany kyncl" userId="0c0e5126d17412fb" providerId="LiveId" clId="{94C31D7A-CE39-4FA9-AB60-C7F6AC837B69}" dt="2022-12-15T02:50:39.633" v="472" actId="14100"/>
           <ac:spMkLst>
             <pc:docMk/>
             <pc:sldMk cId="3509472866" sldId="273"/>
             <ac:spMk id="2" creationId="{09140014-73D5-419B-8867-972BB18D52D4}"/>
           </ac:spMkLst>
         </pc:spChg>
-        <pc:picChg chg="mod">
-          <ac:chgData name="brittany kyncl" userId="0c0e5126d17412fb" providerId="LiveId" clId="{94C31D7A-CE39-4FA9-AB60-C7F6AC837B69}" dt="2022-12-12T01:31:46.458" v="85" actId="1076"/>
+        <pc:picChg chg="del mod">
+          <ac:chgData name="brittany kyncl" userId="0c0e5126d17412fb" providerId="LiveId" clId="{94C31D7A-CE39-4FA9-AB60-C7F6AC837B69}" dt="2022-12-15T02:46:54.794" v="387" actId="478"/>
           <ac:picMkLst>
             <pc:docMk/>
             <pc:sldMk cId="3509472866" sldId="273"/>
             <ac:picMk id="4" creationId="{6B0A8824-4AB1-9D41-4157-6988283EE8E4}"/>
           </ac:picMkLst>
         </pc:picChg>
+        <pc:picChg chg="add mod">
+          <ac:chgData name="brittany kyncl" userId="0c0e5126d17412fb" providerId="LiveId" clId="{94C31D7A-CE39-4FA9-AB60-C7F6AC837B69}" dt="2022-12-15T02:47:03.496" v="391" actId="1076"/>
+          <ac:picMkLst>
+            <pc:docMk/>
+            <pc:sldMk cId="3509472866" sldId="273"/>
+            <ac:picMk id="5" creationId="{CDC7157C-24AF-8EBB-FC39-B10AD4D6EB48}"/>
+          </ac:picMkLst>
+        </pc:picChg>
       </pc:sldChg>
-      <pc:sldChg chg="modSp mod">
-        <pc:chgData name="brittany kyncl" userId="0c0e5126d17412fb" providerId="LiveId" clId="{94C31D7A-CE39-4FA9-AB60-C7F6AC837B69}" dt="2022-12-12T01:37:16.086" v="166" actId="1076"/>
+      <pc:sldChg chg="addSp delSp modSp mod">
+        <pc:chgData name="brittany kyncl" userId="0c0e5126d17412fb" providerId="LiveId" clId="{94C31D7A-CE39-4FA9-AB60-C7F6AC837B69}" dt="2022-12-15T02:55:33.410" v="486" actId="1076"/>
         <pc:sldMkLst>
           <pc:docMk/>
           <pc:sldMk cId="1350585850" sldId="274"/>
@@ -303,8 +422,16 @@
             <ac:spMk id="2" creationId="{09140014-73D5-419B-8867-972BB18D52D4}"/>
           </ac:spMkLst>
         </pc:spChg>
-        <pc:picChg chg="mod">
-          <ac:chgData name="brittany kyncl" userId="0c0e5126d17412fb" providerId="LiveId" clId="{94C31D7A-CE39-4FA9-AB60-C7F6AC837B69}" dt="2022-12-12T01:34:35.736" v="129" actId="1076"/>
+        <pc:picChg chg="add mod">
+          <ac:chgData name="brittany kyncl" userId="0c0e5126d17412fb" providerId="LiveId" clId="{94C31D7A-CE39-4FA9-AB60-C7F6AC837B69}" dt="2022-12-15T02:55:33.410" v="486" actId="1076"/>
+          <ac:picMkLst>
+            <pc:docMk/>
+            <pc:sldMk cId="1350585850" sldId="274"/>
+            <ac:picMk id="4" creationId="{71B59049-D09B-C723-4067-F48F242803F5}"/>
+          </ac:picMkLst>
+        </pc:picChg>
+        <pc:picChg chg="del mod">
+          <ac:chgData name="brittany kyncl" userId="0c0e5126d17412fb" providerId="LiveId" clId="{94C31D7A-CE39-4FA9-AB60-C7F6AC837B69}" dt="2022-12-15T02:51:22.461" v="473" actId="478"/>
           <ac:picMkLst>
             <pc:docMk/>
             <pc:sldMk cId="1350585850" sldId="274"/>
@@ -339,2004 +466,6 @@
 </pc:chgInfo>
 </file>
 
-<file path=ppt/diagrams/colors1.xml><?xml version="1.0" encoding="utf-8"?>
-<dgm:colorsDef xmlns:dgm="http://schemas.openxmlformats.org/drawingml/2006/diagram" xmlns:a="http://schemas.openxmlformats.org/drawingml/2006/main" uniqueId="urn:microsoft.com/office/officeart/2005/8/colors/accent1_2">
-  <dgm:title val=""/>
-  <dgm:desc val=""/>
-  <dgm:catLst>
-    <dgm:cat type="accent1" pri="11200"/>
-  </dgm:catLst>
-  <dgm:styleLbl name="node0">
-    <dgm:fillClrLst meth="repeat">
-      <a:schemeClr val="accent1"/>
-    </dgm:fillClrLst>
-    <dgm:linClrLst meth="repeat">
-      <a:schemeClr val="lt1"/>
-    </dgm:linClrLst>
-    <dgm:effectClrLst/>
-    <dgm:txLinClrLst/>
-    <dgm:txFillClrLst/>
-    <dgm:txEffectClrLst/>
-  </dgm:styleLbl>
-  <dgm:styleLbl name="alignNode1">
-    <dgm:fillClrLst meth="repeat">
-      <a:schemeClr val="accent1"/>
-    </dgm:fillClrLst>
-    <dgm:linClrLst meth="repeat">
-      <a:schemeClr val="accent1"/>
-    </dgm:linClrLst>
-    <dgm:effectClrLst/>
-    <dgm:txLinClrLst/>
-    <dgm:txFillClrLst/>
-    <dgm:txEffectClrLst/>
-  </dgm:styleLbl>
-  <dgm:styleLbl name="node1">
-    <dgm:fillClrLst meth="repeat">
-      <a:schemeClr val="accent1"/>
-    </dgm:fillClrLst>
-    <dgm:linClrLst meth="repeat">
-      <a:schemeClr val="lt1"/>
-    </dgm:linClrLst>
-    <dgm:effectClrLst/>
-    <dgm:txLinClrLst/>
-    <dgm:txFillClrLst/>
-    <dgm:txEffectClrLst/>
-  </dgm:styleLbl>
-  <dgm:styleLbl name="lnNode1">
-    <dgm:fillClrLst meth="repeat">
-      <a:schemeClr val="accent1"/>
-    </dgm:fillClrLst>
-    <dgm:linClrLst meth="repeat">
-      <a:schemeClr val="lt1"/>
-    </dgm:linClrLst>
-    <dgm:effectClrLst/>
-    <dgm:txLinClrLst/>
-    <dgm:txFillClrLst/>
-    <dgm:txEffectClrLst/>
-  </dgm:styleLbl>
-  <dgm:styleLbl name="vennNode1">
-    <dgm:fillClrLst meth="repeat">
-      <a:schemeClr val="accent1">
-        <a:alpha val="50000"/>
-      </a:schemeClr>
-    </dgm:fillClrLst>
-    <dgm:linClrLst meth="repeat">
-      <a:schemeClr val="lt1"/>
-    </dgm:linClrLst>
-    <dgm:effectClrLst/>
-    <dgm:txLinClrLst/>
-    <dgm:txFillClrLst/>
-    <dgm:txEffectClrLst/>
-  </dgm:styleLbl>
-  <dgm:styleLbl name="node2">
-    <dgm:fillClrLst meth="repeat">
-      <a:schemeClr val="accent1"/>
-    </dgm:fillClrLst>
-    <dgm:linClrLst meth="repeat">
-      <a:schemeClr val="lt1"/>
-    </dgm:linClrLst>
-    <dgm:effectClrLst/>
-    <dgm:txLinClrLst/>
-    <dgm:txFillClrLst/>
-    <dgm:txEffectClrLst/>
-  </dgm:styleLbl>
-  <dgm:styleLbl name="node3">
-    <dgm:fillClrLst meth="repeat">
-      <a:schemeClr val="accent1"/>
-    </dgm:fillClrLst>
-    <dgm:linClrLst meth="repeat">
-      <a:schemeClr val="lt1"/>
-    </dgm:linClrLst>
-    <dgm:effectClrLst/>
-    <dgm:txLinClrLst/>
-    <dgm:txFillClrLst/>
-    <dgm:txEffectClrLst/>
-  </dgm:styleLbl>
-  <dgm:styleLbl name="node4">
-    <dgm:fillClrLst meth="repeat">
-      <a:schemeClr val="accent1"/>
-    </dgm:fillClrLst>
-    <dgm:linClrLst meth="repeat">
-      <a:schemeClr val="lt1"/>
-    </dgm:linClrLst>
-    <dgm:effectClrLst/>
-    <dgm:txLinClrLst/>
-    <dgm:txFillClrLst/>
-    <dgm:txEffectClrLst/>
-  </dgm:styleLbl>
-  <dgm:styleLbl name="fgImgPlace1">
-    <dgm:fillClrLst meth="repeat">
-      <a:schemeClr val="accent1">
-        <a:tint val="50000"/>
-      </a:schemeClr>
-    </dgm:fillClrLst>
-    <dgm:linClrLst meth="repeat">
-      <a:schemeClr val="lt1"/>
-    </dgm:linClrLst>
-    <dgm:effectClrLst/>
-    <dgm:txLinClrLst/>
-    <dgm:txFillClrLst meth="repeat">
-      <a:schemeClr val="lt1"/>
-    </dgm:txFillClrLst>
-    <dgm:txEffectClrLst/>
-  </dgm:styleLbl>
-  <dgm:styleLbl name="alignImgPlace1">
-    <dgm:fillClrLst meth="repeat">
-      <a:schemeClr val="accent1">
-        <a:tint val="50000"/>
-      </a:schemeClr>
-    </dgm:fillClrLst>
-    <dgm:linClrLst meth="repeat">
-      <a:schemeClr val="lt1"/>
-    </dgm:linClrLst>
-    <dgm:effectClrLst/>
-    <dgm:txLinClrLst/>
-    <dgm:txFillClrLst meth="repeat">
-      <a:schemeClr val="lt1"/>
-    </dgm:txFillClrLst>
-    <dgm:txEffectClrLst/>
-  </dgm:styleLbl>
-  <dgm:styleLbl name="bgImgPlace1">
-    <dgm:fillClrLst meth="repeat">
-      <a:schemeClr val="accent1">
-        <a:tint val="50000"/>
-      </a:schemeClr>
-    </dgm:fillClrLst>
-    <dgm:linClrLst meth="repeat">
-      <a:schemeClr val="lt1"/>
-    </dgm:linClrLst>
-    <dgm:effectClrLst/>
-    <dgm:txLinClrLst/>
-    <dgm:txFillClrLst meth="repeat">
-      <a:schemeClr val="lt1"/>
-    </dgm:txFillClrLst>
-    <dgm:txEffectClrLst/>
-  </dgm:styleLbl>
-  <dgm:styleLbl name="sibTrans2D1">
-    <dgm:fillClrLst meth="repeat">
-      <a:schemeClr val="accent1">
-        <a:tint val="60000"/>
-      </a:schemeClr>
-    </dgm:fillClrLst>
-    <dgm:linClrLst meth="repeat">
-      <a:schemeClr val="accent1">
-        <a:tint val="60000"/>
-      </a:schemeClr>
-    </dgm:linClrLst>
-    <dgm:effectClrLst/>
-    <dgm:txLinClrLst/>
-    <dgm:txFillClrLst/>
-    <dgm:txEffectClrLst/>
-  </dgm:styleLbl>
-  <dgm:styleLbl name="fgSibTrans2D1">
-    <dgm:fillClrLst meth="repeat">
-      <a:schemeClr val="accent1">
-        <a:tint val="60000"/>
-      </a:schemeClr>
-    </dgm:fillClrLst>
-    <dgm:linClrLst meth="repeat">
-      <a:schemeClr val="accent1">
-        <a:tint val="60000"/>
-      </a:schemeClr>
-    </dgm:linClrLst>
-    <dgm:effectClrLst/>
-    <dgm:txLinClrLst/>
-    <dgm:txFillClrLst/>
-    <dgm:txEffectClrLst/>
-  </dgm:styleLbl>
-  <dgm:styleLbl name="bgSibTrans2D1">
-    <dgm:fillClrLst meth="repeat">
-      <a:schemeClr val="accent1">
-        <a:tint val="60000"/>
-      </a:schemeClr>
-    </dgm:fillClrLst>
-    <dgm:linClrLst meth="repeat">
-      <a:schemeClr val="accent1">
-        <a:tint val="60000"/>
-      </a:schemeClr>
-    </dgm:linClrLst>
-    <dgm:effectClrLst/>
-    <dgm:txLinClrLst/>
-    <dgm:txFillClrLst/>
-    <dgm:txEffectClrLst/>
-  </dgm:styleLbl>
-  <dgm:styleLbl name="sibTrans1D1">
-    <dgm:fillClrLst meth="repeat">
-      <a:schemeClr val="accent1"/>
-    </dgm:fillClrLst>
-    <dgm:linClrLst meth="repeat">
-      <a:schemeClr val="accent1"/>
-    </dgm:linClrLst>
-    <dgm:effectClrLst/>
-    <dgm:txLinClrLst/>
-    <dgm:txFillClrLst meth="repeat">
-      <a:schemeClr val="tx1"/>
-    </dgm:txFillClrLst>
-    <dgm:txEffectClrLst/>
-  </dgm:styleLbl>
-  <dgm:styleLbl name="callout">
-    <dgm:fillClrLst meth="repeat">
-      <a:schemeClr val="accent1"/>
-    </dgm:fillClrLst>
-    <dgm:linClrLst meth="repeat">
-      <a:schemeClr val="accent1">
-        <a:tint val="50000"/>
-      </a:schemeClr>
-    </dgm:linClrLst>
-    <dgm:effectClrLst/>
-    <dgm:txLinClrLst/>
-    <dgm:txFillClrLst meth="repeat">
-      <a:schemeClr val="tx1"/>
-    </dgm:txFillClrLst>
-    <dgm:txEffectClrLst/>
-  </dgm:styleLbl>
-  <dgm:styleLbl name="asst0">
-    <dgm:fillClrLst meth="repeat">
-      <a:schemeClr val="accent1"/>
-    </dgm:fillClrLst>
-    <dgm:linClrLst meth="repeat">
-      <a:schemeClr val="lt1"/>
-    </dgm:linClrLst>
-    <dgm:effectClrLst/>
-    <dgm:txLinClrLst/>
-    <dgm:txFillClrLst/>
-    <dgm:txEffectClrLst/>
-  </dgm:styleLbl>
-  <dgm:styleLbl name="asst1">
-    <dgm:fillClrLst meth="repeat">
-      <a:schemeClr val="accent1"/>
-    </dgm:fillClrLst>
-    <dgm:linClrLst meth="repeat">
-      <a:schemeClr val="lt1"/>
-    </dgm:linClrLst>
-    <dgm:effectClrLst/>
-    <dgm:txLinClrLst/>
-    <dgm:txFillClrLst/>
-    <dgm:txEffectClrLst/>
-  </dgm:styleLbl>
-  <dgm:styleLbl name="asst2">
-    <dgm:fillClrLst meth="repeat">
-      <a:schemeClr val="accent1"/>
-    </dgm:fillClrLst>
-    <dgm:linClrLst meth="repeat">
-      <a:schemeClr val="lt1"/>
-    </dgm:linClrLst>
-    <dgm:effectClrLst/>
-    <dgm:txLinClrLst/>
-    <dgm:txFillClrLst/>
-    <dgm:txEffectClrLst/>
-  </dgm:styleLbl>
-  <dgm:styleLbl name="asst3">
-    <dgm:fillClrLst meth="repeat">
-      <a:schemeClr val="accent1"/>
-    </dgm:fillClrLst>
-    <dgm:linClrLst meth="repeat">
-      <a:schemeClr val="lt1"/>
-    </dgm:linClrLst>
-    <dgm:effectClrLst/>
-    <dgm:txLinClrLst/>
-    <dgm:txFillClrLst/>
-    <dgm:txEffectClrLst/>
-  </dgm:styleLbl>
-  <dgm:styleLbl name="asst4">
-    <dgm:fillClrLst meth="repeat">
-      <a:schemeClr val="accent1"/>
-    </dgm:fillClrLst>
-    <dgm:linClrLst meth="repeat">
-      <a:schemeClr val="lt1"/>
-    </dgm:linClrLst>
-    <dgm:effectClrLst/>
-    <dgm:txLinClrLst/>
-    <dgm:txFillClrLst/>
-    <dgm:txEffectClrLst/>
-  </dgm:styleLbl>
-  <dgm:styleLbl name="parChTrans2D1">
-    <dgm:fillClrLst meth="repeat">
-      <a:schemeClr val="accent1">
-        <a:tint val="60000"/>
-      </a:schemeClr>
-    </dgm:fillClrLst>
-    <dgm:linClrLst meth="repeat">
-      <a:schemeClr val="accent1">
-        <a:tint val="60000"/>
-      </a:schemeClr>
-    </dgm:linClrLst>
-    <dgm:effectClrLst/>
-    <dgm:txLinClrLst/>
-    <dgm:txFillClrLst meth="repeat">
-      <a:schemeClr val="lt1"/>
-    </dgm:txFillClrLst>
-    <dgm:txEffectClrLst/>
-  </dgm:styleLbl>
-  <dgm:styleLbl name="parChTrans2D2">
-    <dgm:fillClrLst meth="repeat">
-      <a:schemeClr val="accent1"/>
-    </dgm:fillClrLst>
-    <dgm:linClrLst meth="repeat">
-      <a:schemeClr val="accent1"/>
-    </dgm:linClrLst>
-    <dgm:effectClrLst/>
-    <dgm:txLinClrLst/>
-    <dgm:txFillClrLst meth="repeat">
-      <a:schemeClr val="lt1"/>
-    </dgm:txFillClrLst>
-    <dgm:txEffectClrLst/>
-  </dgm:styleLbl>
-  <dgm:styleLbl name="parChTrans2D3">
-    <dgm:fillClrLst meth="repeat">
-      <a:schemeClr val="accent1"/>
-    </dgm:fillClrLst>
-    <dgm:linClrLst meth="repeat">
-      <a:schemeClr val="accent1"/>
-    </dgm:linClrLst>
-    <dgm:effectClrLst/>
-    <dgm:txLinClrLst/>
-    <dgm:txFillClrLst meth="repeat">
-      <a:schemeClr val="lt1"/>
-    </dgm:txFillClrLst>
-    <dgm:txEffectClrLst/>
-  </dgm:styleLbl>
-  <dgm:styleLbl name="parChTrans2D4">
-    <dgm:fillClrLst meth="repeat">
-      <a:schemeClr val="accent1"/>
-    </dgm:fillClrLst>
-    <dgm:linClrLst meth="repeat">
-      <a:schemeClr val="accent1"/>
-    </dgm:linClrLst>
-    <dgm:effectClrLst/>
-    <dgm:txLinClrLst/>
-    <dgm:txFillClrLst meth="repeat">
-      <a:schemeClr val="lt1"/>
-    </dgm:txFillClrLst>
-    <dgm:txEffectClrLst/>
-  </dgm:styleLbl>
-  <dgm:styleLbl name="parChTrans1D1">
-    <dgm:fillClrLst meth="repeat">
-      <a:schemeClr val="accent1"/>
-    </dgm:fillClrLst>
-    <dgm:linClrLst meth="repeat">
-      <a:schemeClr val="accent1">
-        <a:shade val="60000"/>
-      </a:schemeClr>
-    </dgm:linClrLst>
-    <dgm:effectClrLst/>
-    <dgm:txLinClrLst/>
-    <dgm:txFillClrLst meth="repeat">
-      <a:schemeClr val="tx1"/>
-    </dgm:txFillClrLst>
-    <dgm:txEffectClrLst/>
-  </dgm:styleLbl>
-  <dgm:styleLbl name="parChTrans1D2">
-    <dgm:fillClrLst meth="repeat">
-      <a:schemeClr val="accent1"/>
-    </dgm:fillClrLst>
-    <dgm:linClrLst meth="repeat">
-      <a:schemeClr val="accent1">
-        <a:shade val="60000"/>
-      </a:schemeClr>
-    </dgm:linClrLst>
-    <dgm:effectClrLst/>
-    <dgm:txLinClrLst/>
-    <dgm:txFillClrLst meth="repeat">
-      <a:schemeClr val="tx1"/>
-    </dgm:txFillClrLst>
-    <dgm:txEffectClrLst/>
-  </dgm:styleLbl>
-  <dgm:styleLbl name="parChTrans1D3">
-    <dgm:fillClrLst meth="repeat">
-      <a:schemeClr val="accent1"/>
-    </dgm:fillClrLst>
-    <dgm:linClrLst meth="repeat">
-      <a:schemeClr val="accent1">
-        <a:shade val="80000"/>
-      </a:schemeClr>
-    </dgm:linClrLst>
-    <dgm:effectClrLst/>
-    <dgm:txLinClrLst/>
-    <dgm:txFillClrLst meth="repeat">
-      <a:schemeClr val="tx1"/>
-    </dgm:txFillClrLst>
-    <dgm:txEffectClrLst/>
-  </dgm:styleLbl>
-  <dgm:styleLbl name="parChTrans1D4">
-    <dgm:fillClrLst meth="repeat">
-      <a:schemeClr val="accent1"/>
-    </dgm:fillClrLst>
-    <dgm:linClrLst meth="repeat">
-      <a:schemeClr val="accent1">
-        <a:shade val="80000"/>
-      </a:schemeClr>
-    </dgm:linClrLst>
-    <dgm:effectClrLst/>
-    <dgm:txLinClrLst/>
-    <dgm:txFillClrLst meth="repeat">
-      <a:schemeClr val="tx1"/>
-    </dgm:txFillClrLst>
-    <dgm:txEffectClrLst/>
-  </dgm:styleLbl>
-  <dgm:styleLbl name="fgAcc1">
-    <dgm:fillClrLst meth="repeat">
-      <a:schemeClr val="lt1">
-        <a:alpha val="90000"/>
-      </a:schemeClr>
-    </dgm:fillClrLst>
-    <dgm:linClrLst meth="repeat">
-      <a:schemeClr val="accent1"/>
-    </dgm:linClrLst>
-    <dgm:effectClrLst/>
-    <dgm:txLinClrLst/>
-    <dgm:txFillClrLst meth="repeat">
-      <a:schemeClr val="dk1"/>
-    </dgm:txFillClrLst>
-    <dgm:txEffectClrLst/>
-  </dgm:styleLbl>
-  <dgm:styleLbl name="conFgAcc1">
-    <dgm:fillClrLst meth="repeat">
-      <a:schemeClr val="lt1">
-        <a:alpha val="90000"/>
-      </a:schemeClr>
-    </dgm:fillClrLst>
-    <dgm:linClrLst meth="repeat">
-      <a:schemeClr val="accent1"/>
-    </dgm:linClrLst>
-    <dgm:effectClrLst/>
-    <dgm:txLinClrLst/>
-    <dgm:txFillClrLst meth="repeat">
-      <a:schemeClr val="dk1"/>
-    </dgm:txFillClrLst>
-    <dgm:txEffectClrLst/>
-  </dgm:styleLbl>
-  <dgm:styleLbl name="alignAcc1">
-    <dgm:fillClrLst meth="repeat">
-      <a:schemeClr val="lt1">
-        <a:alpha val="90000"/>
-      </a:schemeClr>
-    </dgm:fillClrLst>
-    <dgm:linClrLst meth="repeat">
-      <a:schemeClr val="accent1"/>
-    </dgm:linClrLst>
-    <dgm:effectClrLst/>
-    <dgm:txLinClrLst/>
-    <dgm:txFillClrLst meth="repeat">
-      <a:schemeClr val="dk1"/>
-    </dgm:txFillClrLst>
-    <dgm:txEffectClrLst/>
-  </dgm:styleLbl>
-  <dgm:styleLbl name="trAlignAcc1">
-    <dgm:fillClrLst meth="repeat">
-      <a:schemeClr val="lt1">
-        <a:alpha val="40000"/>
-      </a:schemeClr>
-    </dgm:fillClrLst>
-    <dgm:linClrLst meth="repeat">
-      <a:schemeClr val="accent1"/>
-    </dgm:linClrLst>
-    <dgm:effectClrLst/>
-    <dgm:txLinClrLst/>
-    <dgm:txFillClrLst meth="repeat">
-      <a:schemeClr val="dk1"/>
-    </dgm:txFillClrLst>
-    <dgm:txEffectClrLst/>
-  </dgm:styleLbl>
-  <dgm:styleLbl name="bgAcc1">
-    <dgm:fillClrLst meth="repeat">
-      <a:schemeClr val="lt1">
-        <a:alpha val="90000"/>
-      </a:schemeClr>
-    </dgm:fillClrLst>
-    <dgm:linClrLst meth="repeat">
-      <a:schemeClr val="accent1"/>
-    </dgm:linClrLst>
-    <dgm:effectClrLst/>
-    <dgm:txLinClrLst/>
-    <dgm:txFillClrLst meth="repeat">
-      <a:schemeClr val="dk1"/>
-    </dgm:txFillClrLst>
-    <dgm:txEffectClrLst/>
-  </dgm:styleLbl>
-  <dgm:styleLbl name="solidFgAcc1">
-    <dgm:fillClrLst meth="repeat">
-      <a:schemeClr val="lt1"/>
-    </dgm:fillClrLst>
-    <dgm:linClrLst meth="repeat">
-      <a:schemeClr val="accent1"/>
-    </dgm:linClrLst>
-    <dgm:effectClrLst/>
-    <dgm:txLinClrLst/>
-    <dgm:txFillClrLst meth="repeat">
-      <a:schemeClr val="dk1"/>
-    </dgm:txFillClrLst>
-    <dgm:txEffectClrLst/>
-  </dgm:styleLbl>
-  <dgm:styleLbl name="solidAlignAcc1">
-    <dgm:fillClrLst meth="repeat">
-      <a:schemeClr val="lt1"/>
-    </dgm:fillClrLst>
-    <dgm:linClrLst meth="repeat">
-      <a:schemeClr val="accent1"/>
-    </dgm:linClrLst>
-    <dgm:effectClrLst/>
-    <dgm:txLinClrLst/>
-    <dgm:txFillClrLst meth="repeat">
-      <a:schemeClr val="dk1"/>
-    </dgm:txFillClrLst>
-    <dgm:txEffectClrLst/>
-  </dgm:styleLbl>
-  <dgm:styleLbl name="solidBgAcc1">
-    <dgm:fillClrLst meth="repeat">
-      <a:schemeClr val="lt1"/>
-    </dgm:fillClrLst>
-    <dgm:linClrLst meth="repeat">
-      <a:schemeClr val="accent1"/>
-    </dgm:linClrLst>
-    <dgm:effectClrLst/>
-    <dgm:txLinClrLst/>
-    <dgm:txFillClrLst meth="repeat">
-      <a:schemeClr val="dk1"/>
-    </dgm:txFillClrLst>
-    <dgm:txEffectClrLst/>
-  </dgm:styleLbl>
-  <dgm:styleLbl name="fgAccFollowNode1">
-    <dgm:fillClrLst meth="repeat">
-      <a:schemeClr val="accent1">
-        <a:alpha val="90000"/>
-        <a:tint val="40000"/>
-      </a:schemeClr>
-    </dgm:fillClrLst>
-    <dgm:linClrLst meth="repeat">
-      <a:schemeClr val="accent1">
-        <a:alpha val="90000"/>
-        <a:tint val="40000"/>
-      </a:schemeClr>
-    </dgm:linClrLst>
-    <dgm:effectClrLst/>
-    <dgm:txLinClrLst/>
-    <dgm:txFillClrLst meth="repeat">
-      <a:schemeClr val="dk1"/>
-    </dgm:txFillClrLst>
-    <dgm:txEffectClrLst/>
-  </dgm:styleLbl>
-  <dgm:styleLbl name="alignAccFollowNode1">
-    <dgm:fillClrLst meth="repeat">
-      <a:schemeClr val="accent1">
-        <a:alpha val="90000"/>
-        <a:tint val="40000"/>
-      </a:schemeClr>
-    </dgm:fillClrLst>
-    <dgm:linClrLst meth="repeat">
-      <a:schemeClr val="accent1">
-        <a:alpha val="90000"/>
-        <a:tint val="40000"/>
-      </a:schemeClr>
-    </dgm:linClrLst>
-    <dgm:effectClrLst/>
-    <dgm:txLinClrLst/>
-    <dgm:txFillClrLst meth="repeat">
-      <a:schemeClr val="dk1"/>
-    </dgm:txFillClrLst>
-    <dgm:txEffectClrLst/>
-  </dgm:styleLbl>
-  <dgm:styleLbl name="bgAccFollowNode1">
-    <dgm:fillClrLst meth="repeat">
-      <a:schemeClr val="accent1">
-        <a:alpha val="90000"/>
-        <a:tint val="40000"/>
-      </a:schemeClr>
-    </dgm:fillClrLst>
-    <dgm:linClrLst meth="repeat">
-      <a:schemeClr val="accent1">
-        <a:alpha val="90000"/>
-        <a:tint val="40000"/>
-      </a:schemeClr>
-    </dgm:linClrLst>
-    <dgm:effectClrLst/>
-    <dgm:txLinClrLst/>
-    <dgm:txFillClrLst meth="repeat">
-      <a:schemeClr val="dk1"/>
-    </dgm:txFillClrLst>
-    <dgm:txEffectClrLst/>
-  </dgm:styleLbl>
-  <dgm:styleLbl name="fgAcc0">
-    <dgm:fillClrLst meth="repeat">
-      <a:schemeClr val="lt1">
-        <a:alpha val="90000"/>
-      </a:schemeClr>
-    </dgm:fillClrLst>
-    <dgm:linClrLst meth="repeat">
-      <a:schemeClr val="accent1"/>
-    </dgm:linClrLst>
-    <dgm:effectClrLst/>
-    <dgm:txLinClrLst/>
-    <dgm:txFillClrLst meth="repeat">
-      <a:schemeClr val="dk1"/>
-    </dgm:txFillClrLst>
-    <dgm:txEffectClrLst/>
-  </dgm:styleLbl>
-  <dgm:styleLbl name="fgAcc2">
-    <dgm:fillClrLst meth="repeat">
-      <a:schemeClr val="lt1">
-        <a:alpha val="90000"/>
-      </a:schemeClr>
-    </dgm:fillClrLst>
-    <dgm:linClrLst meth="repeat">
-      <a:schemeClr val="accent1"/>
-    </dgm:linClrLst>
-    <dgm:effectClrLst/>
-    <dgm:txLinClrLst/>
-    <dgm:txFillClrLst meth="repeat">
-      <a:schemeClr val="dk1"/>
-    </dgm:txFillClrLst>
-    <dgm:txEffectClrLst/>
-  </dgm:styleLbl>
-  <dgm:styleLbl name="fgAcc3">
-    <dgm:fillClrLst meth="repeat">
-      <a:schemeClr val="lt1">
-        <a:alpha val="90000"/>
-      </a:schemeClr>
-    </dgm:fillClrLst>
-    <dgm:linClrLst meth="repeat">
-      <a:schemeClr val="accent1"/>
-    </dgm:linClrLst>
-    <dgm:effectClrLst/>
-    <dgm:txLinClrLst/>
-    <dgm:txFillClrLst meth="repeat">
-      <a:schemeClr val="dk1"/>
-    </dgm:txFillClrLst>
-    <dgm:txEffectClrLst/>
-  </dgm:styleLbl>
-  <dgm:styleLbl name="fgAcc4">
-    <dgm:fillClrLst meth="repeat">
-      <a:schemeClr val="lt1">
-        <a:alpha val="90000"/>
-      </a:schemeClr>
-    </dgm:fillClrLst>
-    <dgm:linClrLst meth="repeat">
-      <a:schemeClr val="accent1"/>
-    </dgm:linClrLst>
-    <dgm:effectClrLst/>
-    <dgm:txLinClrLst/>
-    <dgm:txFillClrLst meth="repeat">
-      <a:schemeClr val="dk1"/>
-    </dgm:txFillClrLst>
-    <dgm:txEffectClrLst/>
-  </dgm:styleLbl>
-  <dgm:styleLbl name="bgShp">
-    <dgm:fillClrLst meth="repeat">
-      <a:schemeClr val="accent1">
-        <a:tint val="40000"/>
-      </a:schemeClr>
-    </dgm:fillClrLst>
-    <dgm:linClrLst meth="repeat">
-      <a:schemeClr val="accent1"/>
-    </dgm:linClrLst>
-    <dgm:effectClrLst/>
-    <dgm:txLinClrLst/>
-    <dgm:txFillClrLst meth="repeat">
-      <a:schemeClr val="dk1"/>
-    </dgm:txFillClrLst>
-    <dgm:txEffectClrLst/>
-  </dgm:styleLbl>
-  <dgm:styleLbl name="dkBgShp">
-    <dgm:fillClrLst meth="repeat">
-      <a:schemeClr val="accent1">
-        <a:shade val="80000"/>
-      </a:schemeClr>
-    </dgm:fillClrLst>
-    <dgm:linClrLst meth="repeat">
-      <a:schemeClr val="accent1"/>
-    </dgm:linClrLst>
-    <dgm:effectClrLst/>
-    <dgm:txLinClrLst/>
-    <dgm:txFillClrLst meth="repeat">
-      <a:schemeClr val="lt1"/>
-    </dgm:txFillClrLst>
-    <dgm:txEffectClrLst/>
-  </dgm:styleLbl>
-  <dgm:styleLbl name="trBgShp">
-    <dgm:fillClrLst meth="repeat">
-      <a:schemeClr val="accent1">
-        <a:tint val="50000"/>
-        <a:alpha val="40000"/>
-      </a:schemeClr>
-    </dgm:fillClrLst>
-    <dgm:linClrLst meth="repeat">
-      <a:schemeClr val="accent1"/>
-    </dgm:linClrLst>
-    <dgm:effectClrLst/>
-    <dgm:txLinClrLst/>
-    <dgm:txFillClrLst meth="repeat">
-      <a:schemeClr val="lt1"/>
-    </dgm:txFillClrLst>
-    <dgm:txEffectClrLst/>
-  </dgm:styleLbl>
-  <dgm:styleLbl name="fgShp">
-    <dgm:fillClrLst meth="repeat">
-      <a:schemeClr val="accent1">
-        <a:tint val="60000"/>
-      </a:schemeClr>
-    </dgm:fillClrLst>
-    <dgm:linClrLst meth="repeat">
-      <a:schemeClr val="lt1"/>
-    </dgm:linClrLst>
-    <dgm:effectClrLst/>
-    <dgm:txLinClrLst/>
-    <dgm:txFillClrLst meth="repeat">
-      <a:schemeClr val="dk1"/>
-    </dgm:txFillClrLst>
-    <dgm:txEffectClrLst/>
-  </dgm:styleLbl>
-  <dgm:styleLbl name="revTx">
-    <dgm:fillClrLst meth="repeat">
-      <a:schemeClr val="lt1">
-        <a:alpha val="0"/>
-      </a:schemeClr>
-    </dgm:fillClrLst>
-    <dgm:linClrLst meth="repeat">
-      <a:schemeClr val="dk1">
-        <a:alpha val="0"/>
-      </a:schemeClr>
-    </dgm:linClrLst>
-    <dgm:effectClrLst/>
-    <dgm:txLinClrLst/>
-    <dgm:txFillClrLst meth="repeat">
-      <a:schemeClr val="tx1"/>
-    </dgm:txFillClrLst>
-    <dgm:txEffectClrLst/>
-  </dgm:styleLbl>
-</dgm:colorsDef>
-</file>
-
-<file path=ppt/diagrams/data1.xml><?xml version="1.0" encoding="utf-8"?>
-<dgm:dataModel xmlns:dgm="http://schemas.openxmlformats.org/drawingml/2006/diagram" xmlns:a="http://schemas.openxmlformats.org/drawingml/2006/main">
-  <dgm:ptLst>
-    <dgm:pt modelId="{0DD8915E-DC14-41D6-9BB5-F49E1C265163}" type="doc">
-      <dgm:prSet loTypeId="urn:microsoft.com/office/officeart/2016/7/layout/HorizontalActionList" loCatId="list" qsTypeId="urn:microsoft.com/office/officeart/2005/8/quickstyle/simple1" qsCatId="simple" csTypeId="urn:microsoft.com/office/officeart/2005/8/colors/accent1_2" csCatId="accent1" phldr="1"/>
-      <dgm:spPr/>
-      <dgm:t>
-        <a:bodyPr/>
-        <a:lstStyle/>
-        <a:p>
-          <a:endParaRPr lang="en-US"/>
-        </a:p>
-      </dgm:t>
-    </dgm:pt>
-    <dgm:pt modelId="{E4B4F7C4-5024-45F0-9FD7-C5068A1AE6C4}" type="pres">
-      <dgm:prSet presAssocID="{0DD8915E-DC14-41D6-9BB5-F49E1C265163}" presName="Name0" presStyleCnt="0">
-        <dgm:presLayoutVars>
-          <dgm:dir/>
-          <dgm:animLvl val="lvl"/>
-          <dgm:resizeHandles val="exact"/>
-        </dgm:presLayoutVars>
-      </dgm:prSet>
-      <dgm:spPr/>
-    </dgm:pt>
-  </dgm:ptLst>
-  <dgm:cxnLst>
-    <dgm:cxn modelId="{825BC9D8-F515-4FBF-8CF8-23CD32968E1D}" type="presOf" srcId="{0DD8915E-DC14-41D6-9BB5-F49E1C265163}" destId="{E4B4F7C4-5024-45F0-9FD7-C5068A1AE6C4}" srcOrd="0" destOrd="0" presId="urn:microsoft.com/office/officeart/2016/7/layout/HorizontalActionList"/>
-  </dgm:cxnLst>
-  <dgm:bg/>
-  <dgm:whole/>
-  <dgm:extLst>
-    <a:ext uri="http://schemas.microsoft.com/office/drawing/2008/diagram">
-      <dsp:dataModelExt xmlns:dsp="http://schemas.microsoft.com/office/drawing/2008/diagram" relId="rId6" minVer="http://schemas.openxmlformats.org/drawingml/2006/diagram"/>
-    </a:ext>
-  </dgm:extLst>
-</dgm:dataModel>
-</file>
-
-<file path=ppt/diagrams/drawing1.xml><?xml version="1.0" encoding="utf-8"?>
-<dsp:drawing xmlns:dgm="http://schemas.openxmlformats.org/drawingml/2006/diagram" xmlns:dsp="http://schemas.microsoft.com/office/drawing/2008/diagram" xmlns:a="http://schemas.openxmlformats.org/drawingml/2006/main">
-  <dsp:spTree>
-    <dsp:nvGrpSpPr>
-      <dsp:cNvPr id="0" name=""/>
-      <dsp:cNvGrpSpPr/>
-    </dsp:nvGrpSpPr>
-    <dsp:grpSpPr/>
-  </dsp:spTree>
-</dsp:drawing>
-</file>
-
-<file path=ppt/diagrams/layout1.xml><?xml version="1.0" encoding="utf-8"?>
-<dgm:layoutDef xmlns:dgm="http://schemas.openxmlformats.org/drawingml/2006/diagram" xmlns:a="http://schemas.openxmlformats.org/drawingml/2006/main" uniqueId="urn:microsoft.com/office/officeart/2016/7/layout/HorizontalActionList">
-  <dgm:title val="Horizontal Action List"/>
-  <dgm:desc val="Used to show non-sequential or grouped lists of information. Works well with large amounts of text. All text has the same level of emphasis, and direction is not implied."/>
-  <dgm:catLst>
-    <dgm:cat type="list" pri="500"/>
-  </dgm:catLst>
-  <dgm:sampData useDef="1">
-    <dgm:dataModel>
-      <dgm:ptLst/>
-      <dgm:bg/>
-      <dgm:whole/>
-    </dgm:dataModel>
-  </dgm:sampData>
-  <dgm:styleData>
-    <dgm:dataModel>
-      <dgm:ptLst>
-        <dgm:pt modelId="0" type="doc"/>
-        <dgm:pt modelId="1"/>
-        <dgm:pt modelId="2"/>
-      </dgm:ptLst>
-      <dgm:cxnLst>
-        <dgm:cxn modelId="3" srcId="0" destId="1" srcOrd="0" destOrd="0"/>
-        <dgm:cxn modelId="4" srcId="0" destId="2" srcOrd="1" destOrd="0"/>
-      </dgm:cxnLst>
-      <dgm:bg/>
-      <dgm:whole/>
-    </dgm:dataModel>
-  </dgm:styleData>
-  <dgm:clrData>
-    <dgm:dataModel>
-      <dgm:ptLst>
-        <dgm:pt modelId="0" type="doc"/>
-        <dgm:pt modelId="1"/>
-        <dgm:pt modelId="2"/>
-        <dgm:pt modelId="3"/>
-        <dgm:pt modelId="4"/>
-      </dgm:ptLst>
-      <dgm:cxnLst>
-        <dgm:cxn modelId="5" srcId="0" destId="1" srcOrd="0" destOrd="0"/>
-        <dgm:cxn modelId="6" srcId="0" destId="2" srcOrd="1" destOrd="0"/>
-        <dgm:cxn modelId="7" srcId="0" destId="3" srcOrd="2" destOrd="0"/>
-        <dgm:cxn modelId="8" srcId="0" destId="4" srcOrd="3" destOrd="0"/>
-      </dgm:cxnLst>
-      <dgm:bg/>
-      <dgm:whole/>
-    </dgm:dataModel>
-  </dgm:clrData>
-  <dgm:layoutNode name="Name0">
-    <dgm:varLst>
-      <dgm:dir/>
-      <dgm:animLvl val="lvl"/>
-      <dgm:resizeHandles val="exact"/>
-    </dgm:varLst>
-    <dgm:choose name="Name1">
-      <dgm:if name="Name2" func="var" arg="dir" op="equ" val="norm">
-        <dgm:alg type="lin"/>
-      </dgm:if>
-      <dgm:else name="Name3">
-        <dgm:alg type="lin">
-          <dgm:param type="linDir" val="fromR"/>
-        </dgm:alg>
-      </dgm:else>
-    </dgm:choose>
-    <dgm:shape xmlns:r="http://schemas.openxmlformats.org/officeDocument/2006/relationships" r:blip="">
-      <dgm:adjLst/>
-    </dgm:shape>
-    <dgm:presOf/>
-    <dgm:constrLst>
-      <dgm:constr type="h" for="ch" forName="composite" refType="h" fact="0.6"/>
-      <dgm:constr type="h" for="des" forName="composite" op="equ"/>
-      <dgm:constr type="w" for="ch" forName="composite" refType="w"/>
-      <dgm:constr type="w" for="des" forName="parTx"/>
-      <dgm:constr type="h" for="des" forName="parTx" op="equ"/>
-      <dgm:constr type="w" for="des" forName="desTx"/>
-      <dgm:constr type="primFontSz" for="des" forName="parTx" val="54"/>
-      <dgm:constr type="primFontSz" for="des" forName="desTx" refType="primFontSz" refFor="des" refForName="parTx" op="lte" fact="0.75"/>
-      <dgm:constr type="h" for="des" forName="desTx" op="equ"/>
-      <dgm:constr type="w" for="ch" forName="space" op="equ" val="3"/>
-    </dgm:constrLst>
-    <dgm:ruleLst>
-      <dgm:rule type="w" for="ch" forName="composite" val="0" fact="NaN" max="NaN"/>
-    </dgm:ruleLst>
-    <dgm:forEach name="Name6" axis="ch" ptType="node">
-      <dgm:layoutNode name="composite">
-        <dgm:alg type="composite"/>
-        <dgm:shape xmlns:r="http://schemas.openxmlformats.org/officeDocument/2006/relationships" r:blip="">
-          <dgm:adjLst/>
-        </dgm:shape>
-        <dgm:presOf/>
-        <dgm:constrLst>
-          <dgm:constr type="l" for="ch" forName="parTx"/>
-          <dgm:constr type="w" for="ch" forName="parTx" refType="w"/>
-          <dgm:constr type="t" for="ch" forName="parTx"/>
-          <dgm:constr type="l" for="ch" forName="desTx"/>
-          <dgm:constr type="w" for="ch" forName="desTx" refType="w" refFor="ch" refForName="parTx"/>
-          <dgm:constr type="t" for="ch" forName="desTx" refType="h" refFor="ch" refForName="parTx"/>
-        </dgm:constrLst>
-        <dgm:ruleLst>
-          <dgm:rule type="h" val="INF" fact="NaN" max="NaN"/>
-        </dgm:ruleLst>
-        <dgm:layoutNode name="parTx" styleLbl="alignNode1">
-          <dgm:varLst>
-            <dgm:chMax val="0"/>
-            <dgm:chPref val="0"/>
-          </dgm:varLst>
-          <dgm:alg type="tx"/>
-          <dgm:shape xmlns:r="http://schemas.openxmlformats.org/officeDocument/2006/relationships" type="rect" r:blip="">
-            <dgm:adjLst/>
-          </dgm:shape>
-          <dgm:presOf axis="self" ptType="node"/>
-          <dgm:constrLst>
-            <dgm:constr type="h" refType="w" op="lte" fact="0.3"/>
-            <dgm:constr type="h"/>
-            <dgm:constr type="tMarg" refType="w" fact="0.224"/>
-            <dgm:constr type="bMarg" refType="w" fact="0.224"/>
-            <dgm:constr type="lMarg" refType="w" fact="0.224"/>
-            <dgm:constr type="rMarg" refType="w" fact="0.224"/>
-          </dgm:constrLst>
-          <dgm:ruleLst>
-            <dgm:rule type="h" val="INF" fact="NaN" max="NaN"/>
-            <dgm:rule type="primFontSz" val="14" fact="NaN" max="NaN"/>
-          </dgm:ruleLst>
-        </dgm:layoutNode>
-        <dgm:layoutNode name="desTx" styleLbl="alignAccFollowNode1">
-          <dgm:varLst/>
-          <dgm:alg type="tx">
-            <dgm:param type="stBulletLvl" val="0"/>
-            <dgm:param type="txAnchorVert" val="t"/>
-            <dgm:param type="parTxLTRAlign" val="l"/>
-            <dgm:param type="shpTxLTRAlignCh" val="l"/>
-            <dgm:param type="parTxRTLAlign" val="r"/>
-            <dgm:param type="shpTxRTLAlignCh" val="r"/>
-          </dgm:alg>
-          <dgm:shape xmlns:r="http://schemas.openxmlformats.org/officeDocument/2006/relationships" type="rect" r:blip="">
-            <dgm:adjLst/>
-          </dgm:shape>
-          <dgm:presOf axis="des" ptType="node"/>
-          <dgm:constrLst>
-            <dgm:constr type="primFontSz" val="28"/>
-            <dgm:constr type="tMarg" refType="w" fact="0.28"/>
-            <dgm:constr type="bMarg" refType="w" fact="0.28"/>
-            <dgm:constr type="lMarg" refType="w" fact="0.28"/>
-            <dgm:constr type="rMarg" refType="w" fact="0.28"/>
-          </dgm:constrLst>
-          <dgm:ruleLst>
-            <dgm:rule type="h" val="INF" fact="NaN" max="NaN"/>
-            <dgm:rule type="primFontSz" val="11" fact="NaN" max="NaN"/>
-          </dgm:ruleLst>
-        </dgm:layoutNode>
-      </dgm:layoutNode>
-      <dgm:forEach name="Name19" axis="followSib" ptType="sibTrans" cnt="1">
-        <dgm:layoutNode name="space">
-          <dgm:alg type="sp"/>
-          <dgm:shape xmlns:r="http://schemas.openxmlformats.org/officeDocument/2006/relationships" r:blip="">
-            <dgm:adjLst/>
-          </dgm:shape>
-          <dgm:presOf/>
-          <dgm:constrLst/>
-          <dgm:ruleLst/>
-        </dgm:layoutNode>
-      </dgm:forEach>
-    </dgm:forEach>
-  </dgm:layoutNode>
-</dgm:layoutDef>
-</file>
-
-<file path=ppt/diagrams/quickStyle1.xml><?xml version="1.0" encoding="utf-8"?>
-<dgm:styleDef xmlns:dgm="http://schemas.openxmlformats.org/drawingml/2006/diagram" xmlns:a="http://schemas.openxmlformats.org/drawingml/2006/main" uniqueId="urn:microsoft.com/office/officeart/2005/8/quickstyle/simple1">
-  <dgm:title val=""/>
-  <dgm:desc val=""/>
-  <dgm:catLst>
-    <dgm:cat type="simple" pri="10100"/>
-  </dgm:catLst>
-  <dgm:scene3d>
-    <a:camera prst="orthographicFront"/>
-    <a:lightRig rig="threePt" dir="t"/>
-  </dgm:scene3d>
-  <dgm:styleLbl name="node0">
-    <dgm:scene3d>
-      <a:camera prst="orthographicFront"/>
-      <a:lightRig rig="threePt" dir="t"/>
-    </dgm:scene3d>
-    <dgm:sp3d/>
-    <dgm:txPr/>
-    <dgm:style>
-      <a:lnRef idx="2">
-        <a:scrgbClr r="0" g="0" b="0"/>
-      </a:lnRef>
-      <a:fillRef idx="1">
-        <a:scrgbClr r="0" g="0" b="0"/>
-      </a:fillRef>
-      <a:effectRef idx="0">
-        <a:scrgbClr r="0" g="0" b="0"/>
-      </a:effectRef>
-      <a:fontRef idx="minor">
-        <a:schemeClr val="lt1"/>
-      </a:fontRef>
-    </dgm:style>
-  </dgm:styleLbl>
-  <dgm:styleLbl name="lnNode1">
-    <dgm:scene3d>
-      <a:camera prst="orthographicFront"/>
-      <a:lightRig rig="threePt" dir="t"/>
-    </dgm:scene3d>
-    <dgm:sp3d/>
-    <dgm:txPr/>
-    <dgm:style>
-      <a:lnRef idx="2">
-        <a:scrgbClr r="0" g="0" b="0"/>
-      </a:lnRef>
-      <a:fillRef idx="1">
-        <a:scrgbClr r="0" g="0" b="0"/>
-      </a:fillRef>
-      <a:effectRef idx="0">
-        <a:scrgbClr r="0" g="0" b="0"/>
-      </a:effectRef>
-      <a:fontRef idx="minor">
-        <a:schemeClr val="lt1"/>
-      </a:fontRef>
-    </dgm:style>
-  </dgm:styleLbl>
-  <dgm:styleLbl name="vennNode1">
-    <dgm:scene3d>
-      <a:camera prst="orthographicFront"/>
-      <a:lightRig rig="threePt" dir="t"/>
-    </dgm:scene3d>
-    <dgm:sp3d/>
-    <dgm:txPr/>
-    <dgm:style>
-      <a:lnRef idx="2">
-        <a:scrgbClr r="0" g="0" b="0"/>
-      </a:lnRef>
-      <a:fillRef idx="1">
-        <a:scrgbClr r="0" g="0" b="0"/>
-      </a:fillRef>
-      <a:effectRef idx="0">
-        <a:scrgbClr r="0" g="0" b="0"/>
-      </a:effectRef>
-      <a:fontRef idx="minor">
-        <a:schemeClr val="tx1"/>
-      </a:fontRef>
-    </dgm:style>
-  </dgm:styleLbl>
-  <dgm:styleLbl name="alignNode1">
-    <dgm:scene3d>
-      <a:camera prst="orthographicFront"/>
-      <a:lightRig rig="threePt" dir="t"/>
-    </dgm:scene3d>
-    <dgm:sp3d/>
-    <dgm:txPr/>
-    <dgm:style>
-      <a:lnRef idx="2">
-        <a:scrgbClr r="0" g="0" b="0"/>
-      </a:lnRef>
-      <a:fillRef idx="1">
-        <a:scrgbClr r="0" g="0" b="0"/>
-      </a:fillRef>
-      <a:effectRef idx="0">
-        <a:scrgbClr r="0" g="0" b="0"/>
-      </a:effectRef>
-      <a:fontRef idx="minor">
-        <a:schemeClr val="lt1"/>
-      </a:fontRef>
-    </dgm:style>
-  </dgm:styleLbl>
-  <dgm:styleLbl name="node1">
-    <dgm:scene3d>
-      <a:camera prst="orthographicFront"/>
-      <a:lightRig rig="threePt" dir="t"/>
-    </dgm:scene3d>
-    <dgm:sp3d/>
-    <dgm:txPr/>
-    <dgm:style>
-      <a:lnRef idx="2">
-        <a:scrgbClr r="0" g="0" b="0"/>
-      </a:lnRef>
-      <a:fillRef idx="1">
-        <a:scrgbClr r="0" g="0" b="0"/>
-      </a:fillRef>
-      <a:effectRef idx="0">
-        <a:scrgbClr r="0" g="0" b="0"/>
-      </a:effectRef>
-      <a:fontRef idx="minor">
-        <a:schemeClr val="lt1"/>
-      </a:fontRef>
-    </dgm:style>
-  </dgm:styleLbl>
-  <dgm:styleLbl name="node2">
-    <dgm:scene3d>
-      <a:camera prst="orthographicFront"/>
-      <a:lightRig rig="threePt" dir="t"/>
-    </dgm:scene3d>
-    <dgm:sp3d/>
-    <dgm:txPr/>
-    <dgm:style>
-      <a:lnRef idx="2">
-        <a:scrgbClr r="0" g="0" b="0"/>
-      </a:lnRef>
-      <a:fillRef idx="1">
-        <a:scrgbClr r="0" g="0" b="0"/>
-      </a:fillRef>
-      <a:effectRef idx="0">
-        <a:scrgbClr r="0" g="0" b="0"/>
-      </a:effectRef>
-      <a:fontRef idx="minor">
-        <a:schemeClr val="lt1"/>
-      </a:fontRef>
-    </dgm:style>
-  </dgm:styleLbl>
-  <dgm:styleLbl name="node3">
-    <dgm:scene3d>
-      <a:camera prst="orthographicFront"/>
-      <a:lightRig rig="threePt" dir="t"/>
-    </dgm:scene3d>
-    <dgm:sp3d/>
-    <dgm:txPr/>
-    <dgm:style>
-      <a:lnRef idx="2">
-        <a:scrgbClr r="0" g="0" b="0"/>
-      </a:lnRef>
-      <a:fillRef idx="1">
-        <a:scrgbClr r="0" g="0" b="0"/>
-      </a:fillRef>
-      <a:effectRef idx="0">
-        <a:scrgbClr r="0" g="0" b="0"/>
-      </a:effectRef>
-      <a:fontRef idx="minor">
-        <a:schemeClr val="lt1"/>
-      </a:fontRef>
-    </dgm:style>
-  </dgm:styleLbl>
-  <dgm:styleLbl name="node4">
-    <dgm:scene3d>
-      <a:camera prst="orthographicFront"/>
-      <a:lightRig rig="threePt" dir="t"/>
-    </dgm:scene3d>
-    <dgm:sp3d/>
-    <dgm:txPr/>
-    <dgm:style>
-      <a:lnRef idx="2">
-        <a:scrgbClr r="0" g="0" b="0"/>
-      </a:lnRef>
-      <a:fillRef idx="1">
-        <a:scrgbClr r="0" g="0" b="0"/>
-      </a:fillRef>
-      <a:effectRef idx="0">
-        <a:scrgbClr r="0" g="0" b="0"/>
-      </a:effectRef>
-      <a:fontRef idx="minor">
-        <a:schemeClr val="lt1"/>
-      </a:fontRef>
-    </dgm:style>
-  </dgm:styleLbl>
-  <dgm:styleLbl name="fgImgPlace1">
-    <dgm:scene3d>
-      <a:camera prst="orthographicFront"/>
-      <a:lightRig rig="threePt" dir="t"/>
-    </dgm:scene3d>
-    <dgm:sp3d/>
-    <dgm:txPr/>
-    <dgm:style>
-      <a:lnRef idx="2">
-        <a:scrgbClr r="0" g="0" b="0"/>
-      </a:lnRef>
-      <a:fillRef idx="1">
-        <a:scrgbClr r="0" g="0" b="0"/>
-      </a:fillRef>
-      <a:effectRef idx="0">
-        <a:scrgbClr r="0" g="0" b="0"/>
-      </a:effectRef>
-      <a:fontRef idx="minor"/>
-    </dgm:style>
-  </dgm:styleLbl>
-  <dgm:styleLbl name="alignImgPlace1">
-    <dgm:scene3d>
-      <a:camera prst="orthographicFront"/>
-      <a:lightRig rig="threePt" dir="t"/>
-    </dgm:scene3d>
-    <dgm:sp3d/>
-    <dgm:txPr/>
-    <dgm:style>
-      <a:lnRef idx="2">
-        <a:scrgbClr r="0" g="0" b="0"/>
-      </a:lnRef>
-      <a:fillRef idx="1">
-        <a:scrgbClr r="0" g="0" b="0"/>
-      </a:fillRef>
-      <a:effectRef idx="0">
-        <a:scrgbClr r="0" g="0" b="0"/>
-      </a:effectRef>
-      <a:fontRef idx="minor"/>
-    </dgm:style>
-  </dgm:styleLbl>
-  <dgm:styleLbl name="bgImgPlace1">
-    <dgm:scene3d>
-      <a:camera prst="orthographicFront"/>
-      <a:lightRig rig="threePt" dir="t"/>
-    </dgm:scene3d>
-    <dgm:sp3d/>
-    <dgm:txPr/>
-    <dgm:style>
-      <a:lnRef idx="2">
-        <a:scrgbClr r="0" g="0" b="0"/>
-      </a:lnRef>
-      <a:fillRef idx="1">
-        <a:scrgbClr r="0" g="0" b="0"/>
-      </a:fillRef>
-      <a:effectRef idx="0">
-        <a:scrgbClr r="0" g="0" b="0"/>
-      </a:effectRef>
-      <a:fontRef idx="minor"/>
-    </dgm:style>
-  </dgm:styleLbl>
-  <dgm:styleLbl name="sibTrans2D1">
-    <dgm:scene3d>
-      <a:camera prst="orthographicFront"/>
-      <a:lightRig rig="threePt" dir="t"/>
-    </dgm:scene3d>
-    <dgm:sp3d/>
-    <dgm:txPr/>
-    <dgm:style>
-      <a:lnRef idx="0">
-        <a:scrgbClr r="0" g="0" b="0"/>
-      </a:lnRef>
-      <a:fillRef idx="1">
-        <a:scrgbClr r="0" g="0" b="0"/>
-      </a:fillRef>
-      <a:effectRef idx="0">
-        <a:scrgbClr r="0" g="0" b="0"/>
-      </a:effectRef>
-      <a:fontRef idx="minor">
-        <a:schemeClr val="lt1"/>
-      </a:fontRef>
-    </dgm:style>
-  </dgm:styleLbl>
-  <dgm:styleLbl name="fgSibTrans2D1">
-    <dgm:scene3d>
-      <a:camera prst="orthographicFront"/>
-      <a:lightRig rig="threePt" dir="t"/>
-    </dgm:scene3d>
-    <dgm:sp3d/>
-    <dgm:txPr/>
-    <dgm:style>
-      <a:lnRef idx="0">
-        <a:scrgbClr r="0" g="0" b="0"/>
-      </a:lnRef>
-      <a:fillRef idx="1">
-        <a:scrgbClr r="0" g="0" b="0"/>
-      </a:fillRef>
-      <a:effectRef idx="0">
-        <a:scrgbClr r="0" g="0" b="0"/>
-      </a:effectRef>
-      <a:fontRef idx="minor">
-        <a:schemeClr val="lt1"/>
-      </a:fontRef>
-    </dgm:style>
-  </dgm:styleLbl>
-  <dgm:styleLbl name="bgSibTrans2D1">
-    <dgm:scene3d>
-      <a:camera prst="orthographicFront"/>
-      <a:lightRig rig="threePt" dir="t"/>
-    </dgm:scene3d>
-    <dgm:sp3d/>
-    <dgm:txPr/>
-    <dgm:style>
-      <a:lnRef idx="0">
-        <a:scrgbClr r="0" g="0" b="0"/>
-      </a:lnRef>
-      <a:fillRef idx="1">
-        <a:scrgbClr r="0" g="0" b="0"/>
-      </a:fillRef>
-      <a:effectRef idx="0">
-        <a:scrgbClr r="0" g="0" b="0"/>
-      </a:effectRef>
-      <a:fontRef idx="minor">
-        <a:schemeClr val="lt1"/>
-      </a:fontRef>
-    </dgm:style>
-  </dgm:styleLbl>
-  <dgm:styleLbl name="sibTrans1D1">
-    <dgm:scene3d>
-      <a:camera prst="orthographicFront"/>
-      <a:lightRig rig="threePt" dir="t"/>
-    </dgm:scene3d>
-    <dgm:sp3d/>
-    <dgm:txPr/>
-    <dgm:style>
-      <a:lnRef idx="1">
-        <a:scrgbClr r="0" g="0" b="0"/>
-      </a:lnRef>
-      <a:fillRef idx="0">
-        <a:scrgbClr r="0" g="0" b="0"/>
-      </a:fillRef>
-      <a:effectRef idx="0">
-        <a:scrgbClr r="0" g="0" b="0"/>
-      </a:effectRef>
-      <a:fontRef idx="minor"/>
-    </dgm:style>
-  </dgm:styleLbl>
-  <dgm:styleLbl name="callout">
-    <dgm:scene3d>
-      <a:camera prst="orthographicFront"/>
-      <a:lightRig rig="threePt" dir="t"/>
-    </dgm:scene3d>
-    <dgm:sp3d/>
-    <dgm:txPr/>
-    <dgm:style>
-      <a:lnRef idx="2">
-        <a:scrgbClr r="0" g="0" b="0"/>
-      </a:lnRef>
-      <a:fillRef idx="1">
-        <a:scrgbClr r="0" g="0" b="0"/>
-      </a:fillRef>
-      <a:effectRef idx="0">
-        <a:scrgbClr r="0" g="0" b="0"/>
-      </a:effectRef>
-      <a:fontRef idx="minor"/>
-    </dgm:style>
-  </dgm:styleLbl>
-  <dgm:styleLbl name="asst0">
-    <dgm:scene3d>
-      <a:camera prst="orthographicFront"/>
-      <a:lightRig rig="threePt" dir="t"/>
-    </dgm:scene3d>
-    <dgm:sp3d/>
-    <dgm:txPr/>
-    <dgm:style>
-      <a:lnRef idx="2">
-        <a:scrgbClr r="0" g="0" b="0"/>
-      </a:lnRef>
-      <a:fillRef idx="1">
-        <a:scrgbClr r="0" g="0" b="0"/>
-      </a:fillRef>
-      <a:effectRef idx="0">
-        <a:scrgbClr r="0" g="0" b="0"/>
-      </a:effectRef>
-      <a:fontRef idx="minor">
-        <a:schemeClr val="lt1"/>
-      </a:fontRef>
-    </dgm:style>
-  </dgm:styleLbl>
-  <dgm:styleLbl name="asst1">
-    <dgm:scene3d>
-      <a:camera prst="orthographicFront"/>
-      <a:lightRig rig="threePt" dir="t"/>
-    </dgm:scene3d>
-    <dgm:sp3d/>
-    <dgm:txPr/>
-    <dgm:style>
-      <a:lnRef idx="2">
-        <a:scrgbClr r="0" g="0" b="0"/>
-      </a:lnRef>
-      <a:fillRef idx="1">
-        <a:scrgbClr r="0" g="0" b="0"/>
-      </a:fillRef>
-      <a:effectRef idx="0">
-        <a:scrgbClr r="0" g="0" b="0"/>
-      </a:effectRef>
-      <a:fontRef idx="minor">
-        <a:schemeClr val="lt1"/>
-      </a:fontRef>
-    </dgm:style>
-  </dgm:styleLbl>
-  <dgm:styleLbl name="asst2">
-    <dgm:scene3d>
-      <a:camera prst="orthographicFront"/>
-      <a:lightRig rig="threePt" dir="t"/>
-    </dgm:scene3d>
-    <dgm:sp3d/>
-    <dgm:txPr/>
-    <dgm:style>
-      <a:lnRef idx="2">
-        <a:scrgbClr r="0" g="0" b="0"/>
-      </a:lnRef>
-      <a:fillRef idx="1">
-        <a:scrgbClr r="0" g="0" b="0"/>
-      </a:fillRef>
-      <a:effectRef idx="0">
-        <a:scrgbClr r="0" g="0" b="0"/>
-      </a:effectRef>
-      <a:fontRef idx="minor">
-        <a:schemeClr val="lt1"/>
-      </a:fontRef>
-    </dgm:style>
-  </dgm:styleLbl>
-  <dgm:styleLbl name="asst3">
-    <dgm:scene3d>
-      <a:camera prst="orthographicFront"/>
-      <a:lightRig rig="threePt" dir="t"/>
-    </dgm:scene3d>
-    <dgm:sp3d/>
-    <dgm:txPr/>
-    <dgm:style>
-      <a:lnRef idx="2">
-        <a:scrgbClr r="0" g="0" b="0"/>
-      </a:lnRef>
-      <a:fillRef idx="1">
-        <a:scrgbClr r="0" g="0" b="0"/>
-      </a:fillRef>
-      <a:effectRef idx="0">
-        <a:scrgbClr r="0" g="0" b="0"/>
-      </a:effectRef>
-      <a:fontRef idx="minor">
-        <a:schemeClr val="lt1"/>
-      </a:fontRef>
-    </dgm:style>
-  </dgm:styleLbl>
-  <dgm:styleLbl name="asst4">
-    <dgm:scene3d>
-      <a:camera prst="orthographicFront"/>
-      <a:lightRig rig="threePt" dir="t"/>
-    </dgm:scene3d>
-    <dgm:sp3d/>
-    <dgm:txPr/>
-    <dgm:style>
-      <a:lnRef idx="2">
-        <a:scrgbClr r="0" g="0" b="0"/>
-      </a:lnRef>
-      <a:fillRef idx="1">
-        <a:scrgbClr r="0" g="0" b="0"/>
-      </a:fillRef>
-      <a:effectRef idx="0">
-        <a:scrgbClr r="0" g="0" b="0"/>
-      </a:effectRef>
-      <a:fontRef idx="minor">
-        <a:schemeClr val="lt1"/>
-      </a:fontRef>
-    </dgm:style>
-  </dgm:styleLbl>
-  <dgm:styleLbl name="parChTrans2D1">
-    <dgm:scene3d>
-      <a:camera prst="orthographicFront"/>
-      <a:lightRig rig="threePt" dir="t"/>
-    </dgm:scene3d>
-    <dgm:sp3d/>
-    <dgm:txPr/>
-    <dgm:style>
-      <a:lnRef idx="2">
-        <a:scrgbClr r="0" g="0" b="0"/>
-      </a:lnRef>
-      <a:fillRef idx="1">
-        <a:scrgbClr r="0" g="0" b="0"/>
-      </a:fillRef>
-      <a:effectRef idx="0">
-        <a:scrgbClr r="0" g="0" b="0"/>
-      </a:effectRef>
-      <a:fontRef idx="minor">
-        <a:schemeClr val="lt1"/>
-      </a:fontRef>
-    </dgm:style>
-  </dgm:styleLbl>
-  <dgm:styleLbl name="parChTrans2D2">
-    <dgm:scene3d>
-      <a:camera prst="orthographicFront"/>
-      <a:lightRig rig="threePt" dir="t"/>
-    </dgm:scene3d>
-    <dgm:sp3d/>
-    <dgm:txPr/>
-    <dgm:style>
-      <a:lnRef idx="2">
-        <a:scrgbClr r="0" g="0" b="0"/>
-      </a:lnRef>
-      <a:fillRef idx="1">
-        <a:scrgbClr r="0" g="0" b="0"/>
-      </a:fillRef>
-      <a:effectRef idx="0">
-        <a:scrgbClr r="0" g="0" b="0"/>
-      </a:effectRef>
-      <a:fontRef idx="minor">
-        <a:schemeClr val="lt1"/>
-      </a:fontRef>
-    </dgm:style>
-  </dgm:styleLbl>
-  <dgm:styleLbl name="parChTrans2D3">
-    <dgm:scene3d>
-      <a:camera prst="orthographicFront"/>
-      <a:lightRig rig="threePt" dir="t"/>
-    </dgm:scene3d>
-    <dgm:sp3d/>
-    <dgm:txPr/>
-    <dgm:style>
-      <a:lnRef idx="2">
-        <a:scrgbClr r="0" g="0" b="0"/>
-      </a:lnRef>
-      <a:fillRef idx="1">
-        <a:scrgbClr r="0" g="0" b="0"/>
-      </a:fillRef>
-      <a:effectRef idx="0">
-        <a:scrgbClr r="0" g="0" b="0"/>
-      </a:effectRef>
-      <a:fontRef idx="minor">
-        <a:schemeClr val="lt1"/>
-      </a:fontRef>
-    </dgm:style>
-  </dgm:styleLbl>
-  <dgm:styleLbl name="parChTrans2D4">
-    <dgm:scene3d>
-      <a:camera prst="orthographicFront"/>
-      <a:lightRig rig="threePt" dir="t"/>
-    </dgm:scene3d>
-    <dgm:sp3d/>
-    <dgm:txPr/>
-    <dgm:style>
-      <a:lnRef idx="2">
-        <a:scrgbClr r="0" g="0" b="0"/>
-      </a:lnRef>
-      <a:fillRef idx="1">
-        <a:scrgbClr r="0" g="0" b="0"/>
-      </a:fillRef>
-      <a:effectRef idx="0">
-        <a:scrgbClr r="0" g="0" b="0"/>
-      </a:effectRef>
-      <a:fontRef idx="minor">
-        <a:schemeClr val="lt1"/>
-      </a:fontRef>
-    </dgm:style>
-  </dgm:styleLbl>
-  <dgm:styleLbl name="parChTrans1D1">
-    <dgm:scene3d>
-      <a:camera prst="orthographicFront"/>
-      <a:lightRig rig="threePt" dir="t"/>
-    </dgm:scene3d>
-    <dgm:sp3d/>
-    <dgm:txPr/>
-    <dgm:style>
-      <a:lnRef idx="2">
-        <a:scrgbClr r="0" g="0" b="0"/>
-      </a:lnRef>
-      <a:fillRef idx="0">
-        <a:scrgbClr r="0" g="0" b="0"/>
-      </a:fillRef>
-      <a:effectRef idx="0">
-        <a:scrgbClr r="0" g="0" b="0"/>
-      </a:effectRef>
-      <a:fontRef idx="minor"/>
-    </dgm:style>
-  </dgm:styleLbl>
-  <dgm:styleLbl name="parChTrans1D2">
-    <dgm:scene3d>
-      <a:camera prst="orthographicFront"/>
-      <a:lightRig rig="threePt" dir="t"/>
-    </dgm:scene3d>
-    <dgm:sp3d/>
-    <dgm:txPr/>
-    <dgm:style>
-      <a:lnRef idx="2">
-        <a:scrgbClr r="0" g="0" b="0"/>
-      </a:lnRef>
-      <a:fillRef idx="0">
-        <a:scrgbClr r="0" g="0" b="0"/>
-      </a:fillRef>
-      <a:effectRef idx="0">
-        <a:scrgbClr r="0" g="0" b="0"/>
-      </a:effectRef>
-      <a:fontRef idx="minor"/>
-    </dgm:style>
-  </dgm:styleLbl>
-  <dgm:styleLbl name="parChTrans1D3">
-    <dgm:scene3d>
-      <a:camera prst="orthographicFront"/>
-      <a:lightRig rig="threePt" dir="t"/>
-    </dgm:scene3d>
-    <dgm:sp3d/>
-    <dgm:txPr/>
-    <dgm:style>
-      <a:lnRef idx="2">
-        <a:scrgbClr r="0" g="0" b="0"/>
-      </a:lnRef>
-      <a:fillRef idx="0">
-        <a:scrgbClr r="0" g="0" b="0"/>
-      </a:fillRef>
-      <a:effectRef idx="0">
-        <a:scrgbClr r="0" g="0" b="0"/>
-      </a:effectRef>
-      <a:fontRef idx="minor"/>
-    </dgm:style>
-  </dgm:styleLbl>
-  <dgm:styleLbl name="parChTrans1D4">
-    <dgm:scene3d>
-      <a:camera prst="orthographicFront"/>
-      <a:lightRig rig="threePt" dir="t"/>
-    </dgm:scene3d>
-    <dgm:sp3d/>
-    <dgm:txPr/>
-    <dgm:style>
-      <a:lnRef idx="2">
-        <a:scrgbClr r="0" g="0" b="0"/>
-      </a:lnRef>
-      <a:fillRef idx="0">
-        <a:scrgbClr r="0" g="0" b="0"/>
-      </a:fillRef>
-      <a:effectRef idx="0">
-        <a:scrgbClr r="0" g="0" b="0"/>
-      </a:effectRef>
-      <a:fontRef idx="minor"/>
-    </dgm:style>
-  </dgm:styleLbl>
-  <dgm:styleLbl name="fgAcc1">
-    <dgm:scene3d>
-      <a:camera prst="orthographicFront"/>
-      <a:lightRig rig="threePt" dir="t"/>
-    </dgm:scene3d>
-    <dgm:sp3d/>
-    <dgm:txPr/>
-    <dgm:style>
-      <a:lnRef idx="2">
-        <a:scrgbClr r="0" g="0" b="0"/>
-      </a:lnRef>
-      <a:fillRef idx="1">
-        <a:scrgbClr r="0" g="0" b="0"/>
-      </a:fillRef>
-      <a:effectRef idx="0">
-        <a:scrgbClr r="0" g="0" b="0"/>
-      </a:effectRef>
-      <a:fontRef idx="minor"/>
-    </dgm:style>
-  </dgm:styleLbl>
-  <dgm:styleLbl name="conFgAcc1">
-    <dgm:scene3d>
-      <a:camera prst="orthographicFront"/>
-      <a:lightRig rig="threePt" dir="t"/>
-    </dgm:scene3d>
-    <dgm:sp3d/>
-    <dgm:txPr/>
-    <dgm:style>
-      <a:lnRef idx="2">
-        <a:scrgbClr r="0" g="0" b="0"/>
-      </a:lnRef>
-      <a:fillRef idx="1">
-        <a:scrgbClr r="0" g="0" b="0"/>
-      </a:fillRef>
-      <a:effectRef idx="0">
-        <a:scrgbClr r="0" g="0" b="0"/>
-      </a:effectRef>
-      <a:fontRef idx="minor"/>
-    </dgm:style>
-  </dgm:styleLbl>
-  <dgm:styleLbl name="alignAcc1">
-    <dgm:scene3d>
-      <a:camera prst="orthographicFront"/>
-      <a:lightRig rig="threePt" dir="t"/>
-    </dgm:scene3d>
-    <dgm:sp3d/>
-    <dgm:txPr/>
-    <dgm:style>
-      <a:lnRef idx="2">
-        <a:scrgbClr r="0" g="0" b="0"/>
-      </a:lnRef>
-      <a:fillRef idx="1">
-        <a:scrgbClr r="0" g="0" b="0"/>
-      </a:fillRef>
-      <a:effectRef idx="0">
-        <a:scrgbClr r="0" g="0" b="0"/>
-      </a:effectRef>
-      <a:fontRef idx="minor"/>
-    </dgm:style>
-  </dgm:styleLbl>
-  <dgm:styleLbl name="trAlignAcc1">
-    <dgm:scene3d>
-      <a:camera prst="orthographicFront"/>
-      <a:lightRig rig="threePt" dir="t"/>
-    </dgm:scene3d>
-    <dgm:sp3d/>
-    <dgm:txPr/>
-    <dgm:style>
-      <a:lnRef idx="1">
-        <a:scrgbClr r="0" g="0" b="0"/>
-      </a:lnRef>
-      <a:fillRef idx="1">
-        <a:scrgbClr r="0" g="0" b="0"/>
-      </a:fillRef>
-      <a:effectRef idx="0">
-        <a:scrgbClr r="0" g="0" b="0"/>
-      </a:effectRef>
-      <a:fontRef idx="minor"/>
-    </dgm:style>
-  </dgm:styleLbl>
-  <dgm:styleLbl name="bgAcc1">
-    <dgm:scene3d>
-      <a:camera prst="orthographicFront"/>
-      <a:lightRig rig="threePt" dir="t"/>
-    </dgm:scene3d>
-    <dgm:sp3d/>
-    <dgm:txPr/>
-    <dgm:style>
-      <a:lnRef idx="2">
-        <a:scrgbClr r="0" g="0" b="0"/>
-      </a:lnRef>
-      <a:fillRef idx="1">
-        <a:scrgbClr r="0" g="0" b="0"/>
-      </a:fillRef>
-      <a:effectRef idx="0">
-        <a:scrgbClr r="0" g="0" b="0"/>
-      </a:effectRef>
-      <a:fontRef idx="minor"/>
-    </dgm:style>
-  </dgm:styleLbl>
-  <dgm:styleLbl name="solidFgAcc1">
-    <dgm:scene3d>
-      <a:camera prst="orthographicFront"/>
-      <a:lightRig rig="threePt" dir="t"/>
-    </dgm:scene3d>
-    <dgm:sp3d/>
-    <dgm:txPr/>
-    <dgm:style>
-      <a:lnRef idx="2">
-        <a:scrgbClr r="0" g="0" b="0"/>
-      </a:lnRef>
-      <a:fillRef idx="1">
-        <a:scrgbClr r="0" g="0" b="0"/>
-      </a:fillRef>
-      <a:effectRef idx="0">
-        <a:scrgbClr r="0" g="0" b="0"/>
-      </a:effectRef>
-      <a:fontRef idx="minor"/>
-    </dgm:style>
-  </dgm:styleLbl>
-  <dgm:styleLbl name="solidAlignAcc1">
-    <dgm:scene3d>
-      <a:camera prst="orthographicFront"/>
-      <a:lightRig rig="threePt" dir="t"/>
-    </dgm:scene3d>
-    <dgm:sp3d/>
-    <dgm:txPr/>
-    <dgm:style>
-      <a:lnRef idx="2">
-        <a:scrgbClr r="0" g="0" b="0"/>
-      </a:lnRef>
-      <a:fillRef idx="1">
-        <a:scrgbClr r="0" g="0" b="0"/>
-      </a:fillRef>
-      <a:effectRef idx="0">
-        <a:scrgbClr r="0" g="0" b="0"/>
-      </a:effectRef>
-      <a:fontRef idx="minor"/>
-    </dgm:style>
-  </dgm:styleLbl>
-  <dgm:styleLbl name="solidBgAcc1">
-    <dgm:scene3d>
-      <a:camera prst="orthographicFront"/>
-      <a:lightRig rig="threePt" dir="t"/>
-    </dgm:scene3d>
-    <dgm:sp3d/>
-    <dgm:txPr/>
-    <dgm:style>
-      <a:lnRef idx="2">
-        <a:scrgbClr r="0" g="0" b="0"/>
-      </a:lnRef>
-      <a:fillRef idx="1">
-        <a:scrgbClr r="0" g="0" b="0"/>
-      </a:fillRef>
-      <a:effectRef idx="0">
-        <a:scrgbClr r="0" g="0" b="0"/>
-      </a:effectRef>
-      <a:fontRef idx="minor"/>
-    </dgm:style>
-  </dgm:styleLbl>
-  <dgm:styleLbl name="fgAccFollowNode1">
-    <dgm:scene3d>
-      <a:camera prst="orthographicFront"/>
-      <a:lightRig rig="threePt" dir="t"/>
-    </dgm:scene3d>
-    <dgm:sp3d/>
-    <dgm:txPr/>
-    <dgm:style>
-      <a:lnRef idx="2">
-        <a:scrgbClr r="0" g="0" b="0"/>
-      </a:lnRef>
-      <a:fillRef idx="1">
-        <a:scrgbClr r="0" g="0" b="0"/>
-      </a:fillRef>
-      <a:effectRef idx="0">
-        <a:scrgbClr r="0" g="0" b="0"/>
-      </a:effectRef>
-      <a:fontRef idx="minor"/>
-    </dgm:style>
-  </dgm:styleLbl>
-  <dgm:styleLbl name="alignAccFollowNode1">
-    <dgm:scene3d>
-      <a:camera prst="orthographicFront"/>
-      <a:lightRig rig="threePt" dir="t"/>
-    </dgm:scene3d>
-    <dgm:sp3d/>
-    <dgm:txPr/>
-    <dgm:style>
-      <a:lnRef idx="2">
-        <a:scrgbClr r="0" g="0" b="0"/>
-      </a:lnRef>
-      <a:fillRef idx="1">
-        <a:scrgbClr r="0" g="0" b="0"/>
-      </a:fillRef>
-      <a:effectRef idx="0">
-        <a:scrgbClr r="0" g="0" b="0"/>
-      </a:effectRef>
-      <a:fontRef idx="minor"/>
-    </dgm:style>
-  </dgm:styleLbl>
-  <dgm:styleLbl name="bgAccFollowNode1">
-    <dgm:scene3d>
-      <a:camera prst="orthographicFront"/>
-      <a:lightRig rig="threePt" dir="t"/>
-    </dgm:scene3d>
-    <dgm:sp3d/>
-    <dgm:txPr/>
-    <dgm:style>
-      <a:lnRef idx="2">
-        <a:scrgbClr r="0" g="0" b="0"/>
-      </a:lnRef>
-      <a:fillRef idx="1">
-        <a:scrgbClr r="0" g="0" b="0"/>
-      </a:fillRef>
-      <a:effectRef idx="0">
-        <a:scrgbClr r="0" g="0" b="0"/>
-      </a:effectRef>
-      <a:fontRef idx="minor"/>
-    </dgm:style>
-  </dgm:styleLbl>
-  <dgm:styleLbl name="fgAcc0">
-    <dgm:scene3d>
-      <a:camera prst="orthographicFront"/>
-      <a:lightRig rig="threePt" dir="t"/>
-    </dgm:scene3d>
-    <dgm:sp3d/>
-    <dgm:txPr/>
-    <dgm:style>
-      <a:lnRef idx="2">
-        <a:scrgbClr r="0" g="0" b="0"/>
-      </a:lnRef>
-      <a:fillRef idx="1">
-        <a:scrgbClr r="0" g="0" b="0"/>
-      </a:fillRef>
-      <a:effectRef idx="0">
-        <a:scrgbClr r="0" g="0" b="0"/>
-      </a:effectRef>
-      <a:fontRef idx="minor"/>
-    </dgm:style>
-  </dgm:styleLbl>
-  <dgm:styleLbl name="fgAcc2">
-    <dgm:scene3d>
-      <a:camera prst="orthographicFront"/>
-      <a:lightRig rig="threePt" dir="t"/>
-    </dgm:scene3d>
-    <dgm:sp3d/>
-    <dgm:txPr/>
-    <dgm:style>
-      <a:lnRef idx="2">
-        <a:scrgbClr r="0" g="0" b="0"/>
-      </a:lnRef>
-      <a:fillRef idx="1">
-        <a:scrgbClr r="0" g="0" b="0"/>
-      </a:fillRef>
-      <a:effectRef idx="0">
-        <a:scrgbClr r="0" g="0" b="0"/>
-      </a:effectRef>
-      <a:fontRef idx="minor"/>
-    </dgm:style>
-  </dgm:styleLbl>
-  <dgm:styleLbl name="fgAcc3">
-    <dgm:scene3d>
-      <a:camera prst="orthographicFront"/>
-      <a:lightRig rig="threePt" dir="t"/>
-    </dgm:scene3d>
-    <dgm:sp3d/>
-    <dgm:txPr/>
-    <dgm:style>
-      <a:lnRef idx="2">
-        <a:scrgbClr r="0" g="0" b="0"/>
-      </a:lnRef>
-      <a:fillRef idx="1">
-        <a:scrgbClr r="0" g="0" b="0"/>
-      </a:fillRef>
-      <a:effectRef idx="0">
-        <a:scrgbClr r="0" g="0" b="0"/>
-      </a:effectRef>
-      <a:fontRef idx="minor"/>
-    </dgm:style>
-  </dgm:styleLbl>
-  <dgm:styleLbl name="fgAcc4">
-    <dgm:scene3d>
-      <a:camera prst="orthographicFront"/>
-      <a:lightRig rig="threePt" dir="t"/>
-    </dgm:scene3d>
-    <dgm:sp3d/>
-    <dgm:txPr/>
-    <dgm:style>
-      <a:lnRef idx="2">
-        <a:scrgbClr r="0" g="0" b="0"/>
-      </a:lnRef>
-      <a:fillRef idx="1">
-        <a:scrgbClr r="0" g="0" b="0"/>
-      </a:fillRef>
-      <a:effectRef idx="0">
-        <a:scrgbClr r="0" g="0" b="0"/>
-      </a:effectRef>
-      <a:fontRef idx="minor"/>
-    </dgm:style>
-  </dgm:styleLbl>
-  <dgm:styleLbl name="bgShp">
-    <dgm:scene3d>
-      <a:camera prst="orthographicFront"/>
-      <a:lightRig rig="threePt" dir="t"/>
-    </dgm:scene3d>
-    <dgm:sp3d/>
-    <dgm:txPr/>
-    <dgm:style>
-      <a:lnRef idx="0">
-        <a:scrgbClr r="0" g="0" b="0"/>
-      </a:lnRef>
-      <a:fillRef idx="1">
-        <a:scrgbClr r="0" g="0" b="0"/>
-      </a:fillRef>
-      <a:effectRef idx="0">
-        <a:scrgbClr r="0" g="0" b="0"/>
-      </a:effectRef>
-      <a:fontRef idx="minor"/>
-    </dgm:style>
-  </dgm:styleLbl>
-  <dgm:styleLbl name="dkBgShp">
-    <dgm:scene3d>
-      <a:camera prst="orthographicFront"/>
-      <a:lightRig rig="threePt" dir="t"/>
-    </dgm:scene3d>
-    <dgm:sp3d/>
-    <dgm:txPr/>
-    <dgm:style>
-      <a:lnRef idx="0">
-        <a:scrgbClr r="0" g="0" b="0"/>
-      </a:lnRef>
-      <a:fillRef idx="1">
-        <a:scrgbClr r="0" g="0" b="0"/>
-      </a:fillRef>
-      <a:effectRef idx="0">
-        <a:scrgbClr r="0" g="0" b="0"/>
-      </a:effectRef>
-      <a:fontRef idx="minor"/>
-    </dgm:style>
-  </dgm:styleLbl>
-  <dgm:styleLbl name="trBgShp">
-    <dgm:scene3d>
-      <a:camera prst="orthographicFront"/>
-      <a:lightRig rig="threePt" dir="t"/>
-    </dgm:scene3d>
-    <dgm:sp3d/>
-    <dgm:txPr/>
-    <dgm:style>
-      <a:lnRef idx="0">
-        <a:scrgbClr r="0" g="0" b="0"/>
-      </a:lnRef>
-      <a:fillRef idx="1">
-        <a:scrgbClr r="0" g="0" b="0"/>
-      </a:fillRef>
-      <a:effectRef idx="0">
-        <a:scrgbClr r="0" g="0" b="0"/>
-      </a:effectRef>
-      <a:fontRef idx="minor"/>
-    </dgm:style>
-  </dgm:styleLbl>
-  <dgm:styleLbl name="fgShp">
-    <dgm:scene3d>
-      <a:camera prst="orthographicFront"/>
-      <a:lightRig rig="threePt" dir="t"/>
-    </dgm:scene3d>
-    <dgm:sp3d/>
-    <dgm:txPr/>
-    <dgm:style>
-      <a:lnRef idx="2">
-        <a:scrgbClr r="0" g="0" b="0"/>
-      </a:lnRef>
-      <a:fillRef idx="1">
-        <a:scrgbClr r="0" g="0" b="0"/>
-      </a:fillRef>
-      <a:effectRef idx="0">
-        <a:scrgbClr r="0" g="0" b="0"/>
-      </a:effectRef>
-      <a:fontRef idx="minor"/>
-    </dgm:style>
-  </dgm:styleLbl>
-  <dgm:styleLbl name="revTx">
-    <dgm:scene3d>
-      <a:camera prst="orthographicFront"/>
-      <a:lightRig rig="threePt" dir="t"/>
-    </dgm:scene3d>
-    <dgm:sp3d/>
-    <dgm:txPr/>
-    <dgm:style>
-      <a:lnRef idx="0">
-        <a:scrgbClr r="0" g="0" b="0"/>
-      </a:lnRef>
-      <a:fillRef idx="0">
-        <a:scrgbClr r="0" g="0" b="0"/>
-      </a:fillRef>
-      <a:effectRef idx="0">
-        <a:scrgbClr r="0" g="0" b="0"/>
-      </a:effectRef>
-      <a:fontRef idx="minor"/>
-    </dgm:style>
-  </dgm:styleLbl>
-</dgm:styleDef>
-</file>
-
 <file path=ppt/handoutMasters/handoutMaster1.xml><?xml version="1.0" encoding="utf-8"?>
 <p:handoutMaster xmlns:a="http://schemas.openxmlformats.org/drawingml/2006/main" xmlns:r="http://schemas.openxmlformats.org/officeDocument/2006/relationships" xmlns:p="http://schemas.openxmlformats.org/presentationml/2006/main">
   <p:cSld>
@@ -2431,7 +560,7 @@
           <a:p>
             <a:fld id="{B56F32FC-4BD9-442A-A8C6-51598C909FE3}" type="datetimeFigureOut">
               <a:rPr lang="en-US" smtClean="0"/>
-              <a:t>12/11/2022</a:t>
+              <a:t>12/14/2022</a:t>
             </a:fld>
             <a:endParaRPr lang="en-US" dirty="0"/>
           </a:p>
@@ -2608,7 +737,7 @@
           <a:p>
             <a:fld id="{056371FA-A98D-41E8-93F4-09945841298A}" type="datetimeFigureOut">
               <a:rPr lang="en-US" smtClean="0"/>
-              <a:t>12/11/2022</a:t>
+              <a:t>12/14/2022</a:t>
             </a:fld>
             <a:endParaRPr lang="en-US" dirty="0"/>
           </a:p>
@@ -3252,10 +1381,9 @@
           <a:lstStyle/>
           <a:p>
             <a:r>
-              <a:rPr lang="en-US"/>
+              <a:rPr lang="en-US" dirty="0"/>
               <a:t>Click icon to add SmartArt graphic</a:t>
             </a:r>
-            <a:endParaRPr lang="en-US" dirty="0"/>
           </a:p>
         </p:txBody>
       </p:sp>
@@ -7482,10 +5610,9 @@
           <a:lstStyle/>
           <a:p>
             <a:r>
-              <a:rPr lang="en-US"/>
+              <a:rPr lang="en-US" dirty="0"/>
               <a:t>Click icon to add chart</a:t>
             </a:r>
-            <a:endParaRPr lang="en-US" dirty="0"/>
           </a:p>
         </p:txBody>
       </p:sp>
@@ -7592,10 +5719,9 @@
           <a:lstStyle/>
           <a:p>
             <a:r>
-              <a:rPr lang="en-US"/>
+              <a:rPr lang="en-US" dirty="0"/>
               <a:t>Click icon to add table</a:t>
             </a:r>
-            <a:endParaRPr lang="en-US" dirty="0"/>
           </a:p>
         </p:txBody>
       </p:sp>
@@ -8160,10 +6286,9 @@
           <a:lstStyle/>
           <a:p>
             <a:r>
-              <a:rPr lang="en-US"/>
+              <a:rPr lang="en-US" dirty="0"/>
               <a:t>Click icon to add picture</a:t>
             </a:r>
-            <a:endParaRPr lang="en-US" dirty="0"/>
           </a:p>
         </p:txBody>
       </p:sp>
@@ -8359,10 +6484,9 @@
           <a:lstStyle/>
           <a:p>
             <a:r>
-              <a:rPr lang="en-US"/>
+              <a:rPr lang="en-US" dirty="0"/>
               <a:t>Click icon to add picture</a:t>
             </a:r>
-            <a:endParaRPr lang="en-US" dirty="0"/>
           </a:p>
         </p:txBody>
       </p:sp>
@@ -8559,10 +6683,9 @@
           <a:p>
             <a:pPr lvl="1"/>
             <a:r>
-              <a:rPr lang="en-US"/>
+              <a:rPr lang="en-US" dirty="0"/>
               <a:t>Click icon to add picture</a:t>
             </a:r>
-            <a:endParaRPr lang="en-US" dirty="0"/>
           </a:p>
         </p:txBody>
       </p:sp>
@@ -8758,10 +6881,9 @@
           <a:lstStyle/>
           <a:p>
             <a:r>
-              <a:rPr lang="en-US"/>
+              <a:rPr lang="en-US" dirty="0"/>
               <a:t>Click icon to add picture</a:t>
             </a:r>
-            <a:endParaRPr lang="en-US" dirty="0"/>
           </a:p>
         </p:txBody>
       </p:sp>
@@ -9356,10 +7478,9 @@
           </a:lstStyle>
           <a:p>
             <a:r>
-              <a:rPr lang="en-US"/>
+              <a:rPr lang="en-US" dirty="0"/>
               <a:t>Click icon to add picture</a:t>
             </a:r>
-            <a:endParaRPr lang="en-US" dirty="0"/>
           </a:p>
         </p:txBody>
       </p:sp>
@@ -9567,10 +7688,9 @@
           </a:lstStyle>
           <a:p>
             <a:r>
-              <a:rPr lang="en-US"/>
+              <a:rPr lang="en-US" dirty="0"/>
               <a:t>Click icon to add picture</a:t>
             </a:r>
-            <a:endParaRPr lang="en-US" dirty="0"/>
           </a:p>
         </p:txBody>
       </p:sp>
@@ -9778,10 +7898,9 @@
           </a:lstStyle>
           <a:p>
             <a:r>
-              <a:rPr lang="en-US"/>
+              <a:rPr lang="en-US" dirty="0"/>
               <a:t>Click icon to add picture</a:t>
             </a:r>
-            <a:endParaRPr lang="en-US" dirty="0"/>
           </a:p>
         </p:txBody>
       </p:sp>
@@ -9989,10 +8108,9 @@
           </a:lstStyle>
           <a:p>
             <a:r>
-              <a:rPr lang="en-US"/>
+              <a:rPr lang="en-US" dirty="0"/>
               <a:t>Click icon to add picture</a:t>
             </a:r>
-            <a:endParaRPr lang="en-US" dirty="0"/>
           </a:p>
         </p:txBody>
       </p:sp>
@@ -10200,10 +8318,9 @@
           </a:lstStyle>
           <a:p>
             <a:r>
-              <a:rPr lang="en-US"/>
+              <a:rPr lang="en-US" dirty="0"/>
               <a:t>Click icon to add picture</a:t>
             </a:r>
-            <a:endParaRPr lang="en-US" dirty="0"/>
           </a:p>
         </p:txBody>
       </p:sp>
@@ -10411,10 +8528,9 @@
           </a:lstStyle>
           <a:p>
             <a:r>
-              <a:rPr lang="en-US"/>
+              <a:rPr lang="en-US" dirty="0"/>
               <a:t>Click icon to add picture</a:t>
             </a:r>
-            <a:endParaRPr lang="en-US" dirty="0"/>
           </a:p>
         </p:txBody>
       </p:sp>
@@ -10622,10 +8738,9 @@
           </a:lstStyle>
           <a:p>
             <a:r>
-              <a:rPr lang="en-US"/>
+              <a:rPr lang="en-US" dirty="0"/>
               <a:t>Click icon to add picture</a:t>
             </a:r>
-            <a:endParaRPr lang="en-US" dirty="0"/>
           </a:p>
         </p:txBody>
       </p:sp>
@@ -10833,10 +8948,9 @@
           </a:lstStyle>
           <a:p>
             <a:r>
-              <a:rPr lang="en-US"/>
+              <a:rPr lang="en-US" dirty="0"/>
               <a:t>Click icon to add picture</a:t>
             </a:r>
-            <a:endParaRPr lang="en-US" dirty="0"/>
           </a:p>
         </p:txBody>
       </p:sp>
@@ -11850,13 +9964,13 @@
         </p:nvSpPr>
         <p:spPr>
           <a:xfrm>
-            <a:off x="1524000" y="2343151"/>
-            <a:ext cx="3680883" cy="4013199"/>
+            <a:off x="1524000" y="2641168"/>
+            <a:ext cx="3680883" cy="3715182"/>
           </a:xfrm>
         </p:spPr>
         <p:txBody>
           <a:bodyPr>
-            <a:normAutofit/>
+            <a:normAutofit fontScale="90000"/>
           </a:bodyPr>
           <a:lstStyle/>
           <a:p>
@@ -11924,24 +10038,40 @@
                 <a:latin typeface="Arial" panose="020B0604020202020204" pitchFamily="34" charset="0"/>
                 <a:ea typeface="Arial" panose="020B0604020202020204" pitchFamily="34" charset="0"/>
               </a:rPr>
-              <a:t>From these findings, we can see an overview of Wilson </a:t>
-            </a:r>
-            <a:r>
-              <a:rPr lang="en-US" sz="1200" dirty="0" err="1">
-                <a:effectLst/>
-                <a:latin typeface="Arial" panose="020B0604020202020204" pitchFamily="34" charset="0"/>
-                <a:ea typeface="Arial" panose="020B0604020202020204" pitchFamily="34" charset="0"/>
-              </a:rPr>
-              <a:t>Financial’s</a:t>
-            </a:r>
-            <a:r>
+              <a:t>From these findings, we can see an overview of Wilson Financial’s client acquisition rate.</a:t>
+            </a:r>
+            <a:br>
               <a:rPr lang="en-US" sz="1200" dirty="0">
                 <a:effectLst/>
                 <a:latin typeface="Arial" panose="020B0604020202020204" pitchFamily="34" charset="0"/>
                 <a:ea typeface="Arial" panose="020B0604020202020204" pitchFamily="34" charset="0"/>
               </a:rPr>
-              <a:t> client acquisition rate.</a:t>
-            </a:r>
+            </a:br>
+            <a:br>
+              <a:rPr lang="en-US" sz="1200" dirty="0">
+                <a:effectLst/>
+                <a:latin typeface="Arial" panose="020B0604020202020204" pitchFamily="34" charset="0"/>
+                <a:ea typeface="Arial" panose="020B0604020202020204" pitchFamily="34" charset="0"/>
+              </a:rPr>
+            </a:br>
+            <a:r>
+              <a:rPr lang="en-US" sz="1200" dirty="0">
+                <a:effectLst/>
+                <a:highlight>
+                  <a:srgbClr val="FFFF00"/>
+                </a:highlight>
+                <a:latin typeface="Arial" panose="020B0604020202020204" pitchFamily="34" charset="0"/>
+                <a:ea typeface="Arial" panose="020B0604020202020204" pitchFamily="34" charset="0"/>
+              </a:rPr>
+              <a:t> (NOTE: No new clients were added after 2022-06-04)</a:t>
+            </a:r>
+            <a:br>
+              <a:rPr lang="en-US" sz="1200" dirty="0">
+                <a:effectLst/>
+                <a:latin typeface="Arial" panose="020B0604020202020204" pitchFamily="34" charset="0"/>
+                <a:ea typeface="Arial" panose="020B0604020202020204" pitchFamily="34" charset="0"/>
+              </a:rPr>
+            </a:br>
             <a:br>
               <a:rPr lang="en-US" sz="1800" dirty="0">
                 <a:effectLst/>
@@ -12125,10 +10255,10 @@
       </p:sp>
       <p:pic>
         <p:nvPicPr>
-          <p:cNvPr id="4" name="Picture 3">
-            <a:extLst>
-              <a:ext uri="{FF2B5EF4-FFF2-40B4-BE49-F238E27FC236}">
-                <a16:creationId xmlns:a16="http://schemas.microsoft.com/office/drawing/2014/main" id="{6B0A8824-4AB1-9D41-4157-6988283EE8E4}"/>
+          <p:cNvPr id="5" name="Picture 4">
+            <a:extLst>
+              <a:ext uri="{FF2B5EF4-FFF2-40B4-BE49-F238E27FC236}">
+                <a16:creationId xmlns:a16="http://schemas.microsoft.com/office/drawing/2014/main" id="{CDC7157C-24AF-8EBB-FC39-B10AD4D6EB48}"/>
               </a:ext>
             </a:extLst>
           </p:cNvPr>
@@ -12145,8 +10275,8 @@
         </p:blipFill>
         <p:spPr>
           <a:xfrm>
-            <a:off x="5433483" y="660400"/>
-            <a:ext cx="6471879" cy="4959350"/>
+            <a:off x="5418539" y="930477"/>
+            <a:ext cx="6384122" cy="4829839"/>
           </a:xfrm>
           <a:prstGeom prst="rect">
             <a:avLst/>
@@ -12399,10 +10529,10 @@
       </p:sp>
       <p:pic>
         <p:nvPicPr>
-          <p:cNvPr id="6" name="Picture 5">
-            <a:extLst>
-              <a:ext uri="{FF2B5EF4-FFF2-40B4-BE49-F238E27FC236}">
-                <a16:creationId xmlns:a16="http://schemas.microsoft.com/office/drawing/2014/main" id="{37CADB45-4BC1-F502-C803-C492CA385F30}"/>
+          <p:cNvPr id="4" name="Picture 3">
+            <a:extLst>
+              <a:ext uri="{FF2B5EF4-FFF2-40B4-BE49-F238E27FC236}">
+                <a16:creationId xmlns:a16="http://schemas.microsoft.com/office/drawing/2014/main" id="{71B59049-D09B-C723-4067-F48F242803F5}"/>
               </a:ext>
             </a:extLst>
           </p:cNvPr>
@@ -12419,8 +10549,8 @@
         </p:blipFill>
         <p:spPr>
           <a:xfrm>
-            <a:off x="5740400" y="684435"/>
-            <a:ext cx="6231467" cy="5425907"/>
+            <a:off x="5976257" y="136525"/>
+            <a:ext cx="5636455" cy="6564086"/>
           </a:xfrm>
           <a:prstGeom prst="rect">
             <a:avLst/>
@@ -13263,18 +11393,9 @@
           </a:p>
           <a:p>
             <a:r>
-              <a:rPr lang="en-US" dirty="0" err="1"/>
-              <a:t>Riese</a:t>
-            </a:r>
-            <a:r>
               <a:rPr lang="en-US" dirty="0"/>
-              <a:t> </a:t>
-            </a:r>
-            <a:r>
-              <a:rPr lang="en-US" dirty="0" err="1"/>
-              <a:t>Bohnak</a:t>
-            </a:r>
-            <a:endParaRPr lang="en-US" dirty="0"/>
+              <a:t>Riese Bohnak</a:t>
+            </a:r>
           </a:p>
           <a:p>
             <a:r>
@@ -13669,23 +11790,7 @@
           <a:p>
             <a:r>
               <a:rPr lang="en-US" dirty="0"/>
-              <a:t>Group 4 consists of Brittany Kyncl, Mark Witt, </a:t>
-            </a:r>
-            <a:r>
-              <a:rPr lang="en-US" dirty="0" err="1"/>
-              <a:t>Riese</a:t>
-            </a:r>
-            <a:r>
-              <a:rPr lang="en-US" dirty="0"/>
-              <a:t> </a:t>
-            </a:r>
-            <a:r>
-              <a:rPr lang="en-US" dirty="0" err="1"/>
-              <a:t>Bohnak</a:t>
-            </a:r>
-            <a:r>
-              <a:rPr lang="en-US" dirty="0"/>
-              <a:t>, and Holly McFarland.  We are all current students at Bellevue University and enrolled in the CSD 310 – Database Development and Use course.    </a:t>
+              <a:t>Group 4 consists of Brittany Kyncl, Mark Witt, Riese Bohnak, and Holly McFarland.  We are all current students at Bellevue University and enrolled in the CSD 310 – Database Development and Use course.    </a:t>
             </a:r>
           </a:p>
         </p:txBody>
@@ -13936,15 +12041,7 @@
           <a:p>
             <a:r>
               <a:rPr lang="en-US" sz="1600" dirty="0"/>
-              <a:t>Jake and </a:t>
-            </a:r>
-            <a:r>
-              <a:rPr lang="en-US" sz="1600" dirty="0" err="1"/>
-              <a:t>ned</a:t>
-            </a:r>
-            <a:r>
-              <a:rPr lang="en-US" sz="1600" dirty="0"/>
-              <a:t> Wilson noticed the need for a business dedicated to financial management and advising in their small town and decided to open Wilson financial.  After realizing the growth that has occurred in the past year, they decided to re-evaluate their business approach.  They determined that they needed to assess their client list, their assets, and the billing process to ensure that their customers were receiving an optimal service and they were continuing to see a positive return.  The billing structure was the main concern to be addressed. </a:t>
+              <a:t>Jake and ned Wilson noticed the need for a business dedicated to financial management and advising in their small town and decided to open Wilson financial.  After realizing the growth that has occurred in the past year, they decided to re-evaluate their business approach.  They determined that they needed to assess their client list, their assets, and the billing process to ensure that their customers were receiving an optimal service and they were continuing to see a positive return.  The billing structure was the main concern to be addressed. </a:t>
             </a:r>
             <a:endParaRPr lang="en-US" dirty="0"/>
           </a:p>
@@ -14060,6 +12157,36 @@
           <a:chExt cx="0" cy="0"/>
         </a:xfrm>
       </p:grpSpPr>
+      <p:pic>
+        <p:nvPicPr>
+          <p:cNvPr id="5" name="Picture 4" descr="Diagram&#10;&#10;Description automatically generated">
+            <a:extLst>
+              <a:ext uri="{FF2B5EF4-FFF2-40B4-BE49-F238E27FC236}">
+                <a16:creationId xmlns:a16="http://schemas.microsoft.com/office/drawing/2014/main" id="{61650602-4714-C4CC-DF5B-9CEAA30103D9}"/>
+              </a:ext>
+            </a:extLst>
+          </p:cNvPr>
+          <p:cNvPicPr>
+            <a:picLocks noChangeAspect="1"/>
+          </p:cNvPicPr>
+          <p:nvPr/>
+        </p:nvPicPr>
+        <p:blipFill>
+          <a:blip r:embed="rId2"/>
+          <a:stretch>
+            <a:fillRect/>
+          </a:stretch>
+        </p:blipFill>
+        <p:spPr>
+          <a:xfrm>
+            <a:off x="1121230" y="668422"/>
+            <a:ext cx="9514114" cy="5870490"/>
+          </a:xfrm>
+          <a:prstGeom prst="rect">
+            <a:avLst/>
+          </a:prstGeom>
+        </p:spPr>
+      </p:pic>
       <p:sp>
         <p:nvSpPr>
           <p:cNvPr id="3" name="Title 2">
@@ -14078,7 +12205,7 @@
         </p:nvSpPr>
         <p:spPr>
           <a:xfrm>
-            <a:off x="838200" y="365125"/>
+            <a:off x="762000" y="-199400"/>
             <a:ext cx="10515600" cy="1325563"/>
           </a:xfrm>
         </p:spPr>
@@ -14093,37 +12220,6 @@
           </a:p>
         </p:txBody>
       </p:sp>
-      <p:graphicFrame>
-        <p:nvGraphicFramePr>
-          <p:cNvPr id="33" name="Content Placeholder 3" descr="Timeline Placeholder ">
-            <a:extLst>
-              <a:ext uri="{FF2B5EF4-FFF2-40B4-BE49-F238E27FC236}">
-                <a16:creationId xmlns:a16="http://schemas.microsoft.com/office/drawing/2014/main" id="{7BC1F95D-CCD2-421B-B06B-706699FAAD5D}"/>
-              </a:ext>
-            </a:extLst>
-          </p:cNvPr>
-          <p:cNvGraphicFramePr>
-            <a:graphicFrameLocks noGrp="1"/>
-          </p:cNvGraphicFramePr>
-          <p:nvPr>
-            <p:ph type="dgm" sz="quarter" idx="15"/>
-            <p:extLst>
-              <p:ext uri="{D42A27DB-BD31-4B8C-83A1-F6EECF244321}">
-                <p14:modId xmlns:p14="http://schemas.microsoft.com/office/powerpoint/2010/main" val="780349049"/>
-              </p:ext>
-            </p:extLst>
-          </p:nvPr>
-        </p:nvGraphicFramePr>
-        <p:xfrm>
-          <a:off x="838200" y="2111375"/>
-          <a:ext cx="10515600" cy="3744913"/>
-        </p:xfrm>
-        <a:graphic>
-          <a:graphicData uri="http://schemas.openxmlformats.org/drawingml/2006/diagram">
-            <dgm:relIds xmlns:dgm="http://schemas.openxmlformats.org/drawingml/2006/diagram" xmlns:r="http://schemas.openxmlformats.org/officeDocument/2006/relationships" r:dm="rId2" r:lo="rId3" r:qs="rId4" r:cs="rId5"/>
-          </a:graphicData>
-        </a:graphic>
-      </p:graphicFrame>
       <p:sp>
         <p:nvSpPr>
           <p:cNvPr id="7" name="Footer Placeholder 6">
@@ -14192,36 +12288,6 @@
           </a:p>
         </p:txBody>
       </p:sp>
-      <p:pic>
-        <p:nvPicPr>
-          <p:cNvPr id="4" name="Picture 3" descr="Diagram&#10;&#10;Description automatically generated">
-            <a:extLst>
-              <a:ext uri="{FF2B5EF4-FFF2-40B4-BE49-F238E27FC236}">
-                <a16:creationId xmlns:a16="http://schemas.microsoft.com/office/drawing/2014/main" id="{88311D09-04E8-CF2E-943B-66B4FD5B2D21}"/>
-              </a:ext>
-            </a:extLst>
-          </p:cNvPr>
-          <p:cNvPicPr>
-            <a:picLocks noChangeAspect="1"/>
-          </p:cNvPicPr>
-          <p:nvPr/>
-        </p:nvPicPr>
-        <p:blipFill>
-          <a:blip r:embed="rId7"/>
-          <a:stretch>
-            <a:fillRect/>
-          </a:stretch>
-        </p:blipFill>
-        <p:spPr>
-          <a:xfrm>
-            <a:off x="1337188" y="1288026"/>
-            <a:ext cx="9316064" cy="4558500"/>
-          </a:xfrm>
-          <a:prstGeom prst="rect">
-            <a:avLst/>
-          </a:prstGeom>
-        </p:spPr>
-      </p:pic>
     </p:spTree>
     <p:extLst>
       <p:ext uri="{BB962C8B-B14F-4D97-AF65-F5344CB8AC3E}">
@@ -14884,19 +12950,17 @@
       </p:sp>
       <p:pic>
         <p:nvPicPr>
-          <p:cNvPr id="17" name="Content Placeholder 16">
-            <a:extLst>
-              <a:ext uri="{FF2B5EF4-FFF2-40B4-BE49-F238E27FC236}">
-                <a16:creationId xmlns:a16="http://schemas.microsoft.com/office/drawing/2014/main" id="{4F8114A3-4DC6-CA13-767A-BC627732D023}"/>
+          <p:cNvPr id="4" name="Picture 3">
+            <a:extLst>
+              <a:ext uri="{FF2B5EF4-FFF2-40B4-BE49-F238E27FC236}">
+                <a16:creationId xmlns:a16="http://schemas.microsoft.com/office/drawing/2014/main" id="{51135D46-EE8E-8A1B-116B-EFE4A246BEBE}"/>
               </a:ext>
             </a:extLst>
           </p:cNvPr>
           <p:cNvPicPr>
-            <a:picLocks noGrp="1" noChangeAspect="1"/>
+            <a:picLocks noChangeAspect="1"/>
           </p:cNvPicPr>
-          <p:nvPr>
-            <p:ph sz="half" idx="2"/>
-          </p:nvPr>
+          <p:nvPr/>
         </p:nvPicPr>
         <p:blipFill>
           <a:blip r:embed="rId2"/>
@@ -14906,9 +12970,12 @@
         </p:blipFill>
         <p:spPr>
           <a:xfrm>
-            <a:off x="5867653" y="414867"/>
-            <a:ext cx="5854809" cy="5833533"/>
-          </a:xfrm>
+            <a:off x="5715000" y="689518"/>
+            <a:ext cx="6057561" cy="5478964"/>
+          </a:xfrm>
+          <a:prstGeom prst="rect">
+            <a:avLst/>
+          </a:prstGeom>
         </p:spPr>
       </p:pic>
     </p:spTree>
@@ -15205,7 +13272,7 @@
           <p:cNvPr id="4" name="Picture 3">
             <a:extLst>
               <a:ext uri="{FF2B5EF4-FFF2-40B4-BE49-F238E27FC236}">
-                <a16:creationId xmlns:a16="http://schemas.microsoft.com/office/drawing/2014/main" id="{CAE1011D-0ADC-37F2-A67C-829C74E69E8F}"/>
+                <a16:creationId xmlns:a16="http://schemas.microsoft.com/office/drawing/2014/main" id="{C4ADA006-6BC5-5681-9050-EEAAD47E8A14}"/>
               </a:ext>
             </a:extLst>
           </p:cNvPr>
@@ -15222,8 +13289,8 @@
         </p:blipFill>
         <p:spPr>
           <a:xfrm>
-            <a:off x="5750050" y="499535"/>
-            <a:ext cx="6069209" cy="5638800"/>
+            <a:off x="5856516" y="105678"/>
+            <a:ext cx="5780050" cy="6561138"/>
           </a:xfrm>
           <a:prstGeom prst="rect">
             <a:avLst/>
